--- a/Documentation/04 - Program outlines.pptx
+++ b/Documentation/04 - Program outlines.pptx
@@ -5,12 +5,13 @@
     <p:sldMasterId id="2147483672" r:id="rId1"/>
   </p:sldMasterIdLst>
   <p:notesMasterIdLst>
-    <p:notesMasterId r:id="rId5"/>
+    <p:notesMasterId r:id="rId6"/>
   </p:notesMasterIdLst>
   <p:sldIdLst>
     <p:sldId id="338" r:id="rId2"/>
     <p:sldId id="553" r:id="rId3"/>
-    <p:sldId id="550" r:id="rId4"/>
+    <p:sldId id="554" r:id="rId4"/>
+    <p:sldId id="550" r:id="rId5"/>
   </p:sldIdLst>
   <p:sldSz cx="12192000" cy="6858000"/>
   <p:notesSz cx="6858000" cy="9144000"/>
@@ -222,7 +223,7 @@
           <a:p>
             <a:fld id="{F7B5F293-33C8-4CC1-BF75-E4FD468BB3EB}" type="datetimeFigureOut">
               <a:rPr lang="es-UY" smtClean="0"/>
-              <a:t>22/6/2024</a:t>
+              <a:t>1/8/2024</a:t>
             </a:fld>
             <a:endParaRPr lang="es-UY" dirty="0"/>
           </a:p>
@@ -621,7 +622,7 @@
           <a:p>
             <a:fld id="{BE7F4C33-09C2-42C2-8546-5DB640DB547A}" type="datetimeFigureOut">
               <a:rPr lang="es-UY" smtClean="0"/>
-              <a:t>22/6/2024</a:t>
+              <a:t>1/8/2024</a:t>
             </a:fld>
             <a:endParaRPr lang="es-UY" dirty="0"/>
           </a:p>
@@ -791,7 +792,7 @@
           <a:p>
             <a:fld id="{BE7F4C33-09C2-42C2-8546-5DB640DB547A}" type="datetimeFigureOut">
               <a:rPr lang="es-UY" smtClean="0"/>
-              <a:t>22/6/2024</a:t>
+              <a:t>1/8/2024</a:t>
             </a:fld>
             <a:endParaRPr lang="es-UY" dirty="0"/>
           </a:p>
@@ -971,7 +972,7 @@
           <a:p>
             <a:fld id="{BE7F4C33-09C2-42C2-8546-5DB640DB547A}" type="datetimeFigureOut">
               <a:rPr lang="es-UY" smtClean="0"/>
-              <a:t>22/6/2024</a:t>
+              <a:t>1/8/2024</a:t>
             </a:fld>
             <a:endParaRPr lang="es-UY" dirty="0"/>
           </a:p>
@@ -1141,7 +1142,7 @@
           <a:p>
             <a:fld id="{BE7F4C33-09C2-42C2-8546-5DB640DB547A}" type="datetimeFigureOut">
               <a:rPr lang="es-UY" smtClean="0"/>
-              <a:t>22/6/2024</a:t>
+              <a:t>1/8/2024</a:t>
             </a:fld>
             <a:endParaRPr lang="es-UY" dirty="0"/>
           </a:p>
@@ -1387,7 +1388,7 @@
           <a:p>
             <a:fld id="{BE7F4C33-09C2-42C2-8546-5DB640DB547A}" type="datetimeFigureOut">
               <a:rPr lang="es-UY" smtClean="0"/>
-              <a:t>22/6/2024</a:t>
+              <a:t>1/8/2024</a:t>
             </a:fld>
             <a:endParaRPr lang="es-UY" dirty="0"/>
           </a:p>
@@ -1619,7 +1620,7 @@
           <a:p>
             <a:fld id="{BE7F4C33-09C2-42C2-8546-5DB640DB547A}" type="datetimeFigureOut">
               <a:rPr lang="es-UY" smtClean="0"/>
-              <a:t>22/6/2024</a:t>
+              <a:t>1/8/2024</a:t>
             </a:fld>
             <a:endParaRPr lang="es-UY" dirty="0"/>
           </a:p>
@@ -1986,7 +1987,7 @@
           <a:p>
             <a:fld id="{BE7F4C33-09C2-42C2-8546-5DB640DB547A}" type="datetimeFigureOut">
               <a:rPr lang="es-UY" smtClean="0"/>
-              <a:t>22/6/2024</a:t>
+              <a:t>1/8/2024</a:t>
             </a:fld>
             <a:endParaRPr lang="es-UY" dirty="0"/>
           </a:p>
@@ -2104,7 +2105,7 @@
           <a:p>
             <a:fld id="{BE7F4C33-09C2-42C2-8546-5DB640DB547A}" type="datetimeFigureOut">
               <a:rPr lang="es-UY" smtClean="0"/>
-              <a:t>22/6/2024</a:t>
+              <a:t>1/8/2024</a:t>
             </a:fld>
             <a:endParaRPr lang="es-UY" dirty="0"/>
           </a:p>
@@ -2199,7 +2200,7 @@
           <a:p>
             <a:fld id="{BE7F4C33-09C2-42C2-8546-5DB640DB547A}" type="datetimeFigureOut">
               <a:rPr lang="es-UY" smtClean="0"/>
-              <a:t>22/6/2024</a:t>
+              <a:t>1/8/2024</a:t>
             </a:fld>
             <a:endParaRPr lang="es-UY" dirty="0"/>
           </a:p>
@@ -2476,7 +2477,7 @@
           <a:p>
             <a:fld id="{BE7F4C33-09C2-42C2-8546-5DB640DB547A}" type="datetimeFigureOut">
               <a:rPr lang="es-UY" smtClean="0"/>
-              <a:t>22/6/2024</a:t>
+              <a:t>1/8/2024</a:t>
             </a:fld>
             <a:endParaRPr lang="es-UY" dirty="0"/>
           </a:p>
@@ -2733,7 +2734,7 @@
           <a:p>
             <a:fld id="{BE7F4C33-09C2-42C2-8546-5DB640DB547A}" type="datetimeFigureOut">
               <a:rPr lang="es-UY" smtClean="0"/>
-              <a:t>22/6/2024</a:t>
+              <a:t>1/8/2024</a:t>
             </a:fld>
             <a:endParaRPr lang="es-UY" dirty="0"/>
           </a:p>
@@ -2946,7 +2947,7 @@
           <a:p>
             <a:fld id="{BE7F4C33-09C2-42C2-8546-5DB640DB547A}" type="datetimeFigureOut">
               <a:rPr lang="es-UY" smtClean="0"/>
-              <a:t>22/6/2024</a:t>
+              <a:t>1/8/2024</a:t>
             </a:fld>
             <a:endParaRPr lang="es-UY" dirty="0"/>
           </a:p>
@@ -4914,6 +4915,1701 @@
 </file>
 
 <file path=ppt/slides/slide3.xml><?xml version="1.0" encoding="utf-8"?>
+<p:sld xmlns:a="http://schemas.openxmlformats.org/drawingml/2006/main" xmlns:r="http://schemas.openxmlformats.org/officeDocument/2006/relationships" xmlns:p="http://schemas.openxmlformats.org/presentationml/2006/main">
+  <p:cSld>
+    <p:spTree>
+      <p:nvGrpSpPr>
+        <p:cNvPr id="1" name=""/>
+        <p:cNvGrpSpPr/>
+        <p:nvPr/>
+      </p:nvGrpSpPr>
+      <p:grpSpPr>
+        <a:xfrm>
+          <a:off x="0" y="0"/>
+          <a:ext cx="0" cy="0"/>
+          <a:chOff x="0" y="0"/>
+          <a:chExt cx="0" cy="0"/>
+        </a:xfrm>
+      </p:grpSpPr>
+      <p:cxnSp>
+        <p:nvCxnSpPr>
+          <p:cNvPr id="35" name="Conector: angular 34">
+            <a:extLst>
+              <a:ext uri="{FF2B5EF4-FFF2-40B4-BE49-F238E27FC236}">
+                <a16:creationId xmlns:a16="http://schemas.microsoft.com/office/drawing/2014/main" id="{075490F2-B3AC-4E5D-9188-83FFBBE8BA6F}"/>
+              </a:ext>
+            </a:extLst>
+          </p:cNvPr>
+          <p:cNvCxnSpPr>
+            <a:cxnSpLocks/>
+            <a:stCxn id="31" idx="3"/>
+            <a:endCxn id="30" idx="2"/>
+          </p:cNvCxnSpPr>
+          <p:nvPr/>
+        </p:nvCxnSpPr>
+        <p:spPr>
+          <a:xfrm flipV="1">
+            <a:off x="4710692" y="3932187"/>
+            <a:ext cx="735712" cy="1301091"/>
+          </a:xfrm>
+          <a:prstGeom prst="bentConnector2">
+            <a:avLst/>
+          </a:prstGeom>
+          <a:ln w="28575">
+            <a:solidFill>
+              <a:schemeClr val="tx1"/>
+            </a:solidFill>
+            <a:tailEnd type="triangle"/>
+          </a:ln>
+        </p:spPr>
+        <p:style>
+          <a:lnRef idx="1">
+            <a:schemeClr val="accent1"/>
+          </a:lnRef>
+          <a:fillRef idx="0">
+            <a:schemeClr val="accent1"/>
+          </a:fillRef>
+          <a:effectRef idx="0">
+            <a:schemeClr val="accent1"/>
+          </a:effectRef>
+          <a:fontRef idx="minor">
+            <a:schemeClr val="tx1"/>
+          </a:fontRef>
+        </p:style>
+      </p:cxnSp>
+      <p:cxnSp>
+        <p:nvCxnSpPr>
+          <p:cNvPr id="32" name="Conector: angular 31">
+            <a:extLst>
+              <a:ext uri="{FF2B5EF4-FFF2-40B4-BE49-F238E27FC236}">
+                <a16:creationId xmlns:a16="http://schemas.microsoft.com/office/drawing/2014/main" id="{0EAC55ED-FF22-4FA2-B1C6-78CC466AC0B7}"/>
+              </a:ext>
+            </a:extLst>
+          </p:cNvPr>
+          <p:cNvCxnSpPr>
+            <a:cxnSpLocks/>
+            <a:stCxn id="42" idx="2"/>
+            <a:endCxn id="31" idx="0"/>
+          </p:cNvCxnSpPr>
+          <p:nvPr/>
+        </p:nvCxnSpPr>
+        <p:spPr>
+          <a:xfrm rot="5400000">
+            <a:off x="3958267" y="4480851"/>
+            <a:ext cx="424852" cy="2"/>
+          </a:xfrm>
+          <a:prstGeom prst="bentConnector3">
+            <a:avLst>
+              <a:gd name="adj1" fmla="val 50000"/>
+            </a:avLst>
+          </a:prstGeom>
+          <a:ln w="28575">
+            <a:solidFill>
+              <a:schemeClr val="tx1"/>
+            </a:solidFill>
+            <a:tailEnd type="triangle"/>
+          </a:ln>
+        </p:spPr>
+        <p:style>
+          <a:lnRef idx="1">
+            <a:schemeClr val="accent1"/>
+          </a:lnRef>
+          <a:fillRef idx="0">
+            <a:schemeClr val="accent1"/>
+          </a:fillRef>
+          <a:effectRef idx="0">
+            <a:schemeClr val="accent1"/>
+          </a:effectRef>
+          <a:fontRef idx="minor">
+            <a:schemeClr val="tx1"/>
+          </a:fontRef>
+        </p:style>
+      </p:cxnSp>
+      <p:cxnSp>
+        <p:nvCxnSpPr>
+          <p:cNvPr id="39" name="Conector recto de flecha 38">
+            <a:extLst>
+              <a:ext uri="{FF2B5EF4-FFF2-40B4-BE49-F238E27FC236}">
+                <a16:creationId xmlns:a16="http://schemas.microsoft.com/office/drawing/2014/main" id="{4FA53388-09B0-493B-A2BF-EE97E169BD8A}"/>
+              </a:ext>
+            </a:extLst>
+          </p:cNvPr>
+          <p:cNvCxnSpPr>
+            <a:cxnSpLocks/>
+            <a:stCxn id="70" idx="1"/>
+            <a:endCxn id="27" idx="3"/>
+          </p:cNvCxnSpPr>
+          <p:nvPr/>
+        </p:nvCxnSpPr>
+        <p:spPr>
+          <a:xfrm flipH="1" flipV="1">
+            <a:off x="5876934" y="1748801"/>
+            <a:ext cx="310540" cy="6564"/>
+          </a:xfrm>
+          <a:prstGeom prst="straightConnector1">
+            <a:avLst/>
+          </a:prstGeom>
+          <a:ln w="28575">
+            <a:solidFill>
+              <a:schemeClr val="tx1"/>
+            </a:solidFill>
+            <a:tailEnd type="triangle"/>
+          </a:ln>
+        </p:spPr>
+        <p:style>
+          <a:lnRef idx="1">
+            <a:schemeClr val="accent1"/>
+          </a:lnRef>
+          <a:fillRef idx="0">
+            <a:schemeClr val="accent1"/>
+          </a:fillRef>
+          <a:effectRef idx="0">
+            <a:schemeClr val="accent1"/>
+          </a:effectRef>
+          <a:fontRef idx="minor">
+            <a:schemeClr val="tx1"/>
+          </a:fontRef>
+        </p:style>
+      </p:cxnSp>
+      <p:cxnSp>
+        <p:nvCxnSpPr>
+          <p:cNvPr id="37" name="Conector recto de flecha 36">
+            <a:extLst>
+              <a:ext uri="{FF2B5EF4-FFF2-40B4-BE49-F238E27FC236}">
+                <a16:creationId xmlns:a16="http://schemas.microsoft.com/office/drawing/2014/main" id="{6757EC03-BD43-4ADB-ABDD-D4A714CB440F}"/>
+              </a:ext>
+            </a:extLst>
+          </p:cNvPr>
+          <p:cNvCxnSpPr>
+            <a:cxnSpLocks/>
+            <a:stCxn id="28" idx="0"/>
+            <a:endCxn id="70" idx="2"/>
+          </p:cNvCxnSpPr>
+          <p:nvPr/>
+        </p:nvCxnSpPr>
+        <p:spPr>
+          <a:xfrm flipV="1">
+            <a:off x="6727474" y="2295365"/>
+            <a:ext cx="0" cy="895969"/>
+          </a:xfrm>
+          <a:prstGeom prst="straightConnector1">
+            <a:avLst/>
+          </a:prstGeom>
+          <a:ln w="28575">
+            <a:solidFill>
+              <a:schemeClr val="tx1"/>
+            </a:solidFill>
+            <a:tailEnd type="triangle"/>
+          </a:ln>
+        </p:spPr>
+        <p:style>
+          <a:lnRef idx="1">
+            <a:schemeClr val="accent1"/>
+          </a:lnRef>
+          <a:fillRef idx="0">
+            <a:schemeClr val="accent1"/>
+          </a:fillRef>
+          <a:effectRef idx="0">
+            <a:schemeClr val="accent1"/>
+          </a:effectRef>
+          <a:fontRef idx="minor">
+            <a:schemeClr val="tx1"/>
+          </a:fontRef>
+        </p:style>
+      </p:cxnSp>
+      <p:sp>
+        <p:nvSpPr>
+          <p:cNvPr id="2" name="Rectángulo 117">
+            <a:extLst>
+              <a:ext uri="{FF2B5EF4-FFF2-40B4-BE49-F238E27FC236}">
+                <a16:creationId xmlns:a16="http://schemas.microsoft.com/office/drawing/2014/main" id="{F75B5D53-8E7A-4342-9CE2-383AA90893E8}"/>
+              </a:ext>
+            </a:extLst>
+          </p:cNvPr>
+          <p:cNvSpPr/>
+          <p:nvPr/>
+        </p:nvSpPr>
+        <p:spPr>
+          <a:xfrm>
+            <a:off x="0" y="103020"/>
+            <a:ext cx="12192000" cy="914400"/>
+          </a:xfrm>
+          <a:prstGeom prst="rect">
+            <a:avLst/>
+          </a:prstGeom>
+          <a:solidFill>
+            <a:schemeClr val="tx1"/>
+          </a:solidFill>
+          <a:ln>
+            <a:noFill/>
+          </a:ln>
+        </p:spPr>
+        <p:style>
+          <a:lnRef idx="2">
+            <a:schemeClr val="accent1">
+              <a:shade val="50000"/>
+            </a:schemeClr>
+          </a:lnRef>
+          <a:fillRef idx="1">
+            <a:schemeClr val="accent1"/>
+          </a:fillRef>
+          <a:effectRef idx="0">
+            <a:schemeClr val="accent1"/>
+          </a:effectRef>
+          <a:fontRef idx="minor">
+            <a:schemeClr val="lt1"/>
+          </a:fontRef>
+        </p:style>
+        <p:txBody>
+          <a:bodyPr rtlCol="0" anchor="ctr"/>
+          <a:lstStyle/>
+          <a:p>
+            <a:pPr algn="ctr"/>
+            <a:r>
+              <a:rPr lang="es-ES" sz="7200" dirty="0"/>
+              <a:t>SCRIPT MAP</a:t>
+            </a:r>
+          </a:p>
+        </p:txBody>
+      </p:sp>
+      <p:sp>
+        <p:nvSpPr>
+          <p:cNvPr id="25" name="Elipse 24">
+            <a:extLst>
+              <a:ext uri="{FF2B5EF4-FFF2-40B4-BE49-F238E27FC236}">
+                <a16:creationId xmlns:a16="http://schemas.microsoft.com/office/drawing/2014/main" id="{12DD3293-BD6A-4F7E-8228-A30BCAC1355D}"/>
+              </a:ext>
+            </a:extLst>
+          </p:cNvPr>
+          <p:cNvSpPr/>
+          <p:nvPr/>
+        </p:nvSpPr>
+        <p:spPr>
+          <a:xfrm>
+            <a:off x="217715" y="333797"/>
+            <a:ext cx="452846" cy="452846"/>
+          </a:xfrm>
+          <a:prstGeom prst="ellipse">
+            <a:avLst/>
+          </a:prstGeom>
+          <a:solidFill>
+            <a:schemeClr val="bg1"/>
+          </a:solidFill>
+          <a:ln w="38100">
+            <a:solidFill>
+              <a:schemeClr val="tx1"/>
+            </a:solidFill>
+          </a:ln>
+        </p:spPr>
+        <p:style>
+          <a:lnRef idx="2">
+            <a:schemeClr val="accent1">
+              <a:shade val="50000"/>
+            </a:schemeClr>
+          </a:lnRef>
+          <a:fillRef idx="1">
+            <a:schemeClr val="accent1"/>
+          </a:fillRef>
+          <a:effectRef idx="0">
+            <a:schemeClr val="accent1"/>
+          </a:effectRef>
+          <a:fontRef idx="minor">
+            <a:schemeClr val="lt1"/>
+          </a:fontRef>
+        </p:style>
+        <p:txBody>
+          <a:bodyPr rtlCol="0" anchor="ctr"/>
+          <a:lstStyle/>
+          <a:p>
+            <a:pPr algn="ctr"/>
+            <a:r>
+              <a:rPr lang="es-ES" sz="3200" dirty="0">
+                <a:solidFill>
+                  <a:schemeClr val="tx1"/>
+                </a:solidFill>
+              </a:rPr>
+              <a:t>1</a:t>
+            </a:r>
+          </a:p>
+        </p:txBody>
+      </p:sp>
+      <p:cxnSp>
+        <p:nvCxnSpPr>
+          <p:cNvPr id="44" name="Conector: angular 43">
+            <a:extLst>
+              <a:ext uri="{FF2B5EF4-FFF2-40B4-BE49-F238E27FC236}">
+                <a16:creationId xmlns:a16="http://schemas.microsoft.com/office/drawing/2014/main" id="{E2DBABA3-EB76-400B-8362-7E92EBC9B7BC}"/>
+              </a:ext>
+            </a:extLst>
+          </p:cNvPr>
+          <p:cNvCxnSpPr>
+            <a:cxnSpLocks/>
+            <a:stCxn id="36" idx="0"/>
+            <a:endCxn id="42" idx="1"/>
+          </p:cNvCxnSpPr>
+          <p:nvPr/>
+        </p:nvCxnSpPr>
+        <p:spPr>
+          <a:xfrm rot="5400000" flipH="1" flipV="1">
+            <a:off x="2641018" y="3688886"/>
+            <a:ext cx="950136" cy="1029216"/>
+          </a:xfrm>
+          <a:prstGeom prst="bentConnector2">
+            <a:avLst/>
+          </a:prstGeom>
+          <a:ln w="28575">
+            <a:solidFill>
+              <a:schemeClr val="tx1"/>
+            </a:solidFill>
+            <a:tailEnd type="triangle"/>
+          </a:ln>
+        </p:spPr>
+        <p:style>
+          <a:lnRef idx="1">
+            <a:schemeClr val="accent1"/>
+          </a:lnRef>
+          <a:fillRef idx="0">
+            <a:schemeClr val="accent1"/>
+          </a:fillRef>
+          <a:effectRef idx="0">
+            <a:schemeClr val="accent1"/>
+          </a:effectRef>
+          <a:fontRef idx="minor">
+            <a:schemeClr val="tx1"/>
+          </a:fontRef>
+        </p:style>
+      </p:cxnSp>
+      <p:cxnSp>
+        <p:nvCxnSpPr>
+          <p:cNvPr id="45" name="Conector: angular 44">
+            <a:extLst>
+              <a:ext uri="{FF2B5EF4-FFF2-40B4-BE49-F238E27FC236}">
+                <a16:creationId xmlns:a16="http://schemas.microsoft.com/office/drawing/2014/main" id="{792C5E3E-2951-4648-9050-E975067935C8}"/>
+              </a:ext>
+            </a:extLst>
+          </p:cNvPr>
+          <p:cNvCxnSpPr>
+            <a:cxnSpLocks/>
+            <a:stCxn id="33" idx="2"/>
+            <a:endCxn id="42" idx="1"/>
+          </p:cNvCxnSpPr>
+          <p:nvPr/>
+        </p:nvCxnSpPr>
+        <p:spPr>
+          <a:xfrm rot="16200000" flipH="1">
+            <a:off x="2642603" y="2740334"/>
+            <a:ext cx="946967" cy="1029215"/>
+          </a:xfrm>
+          <a:prstGeom prst="bentConnector2">
+            <a:avLst/>
+          </a:prstGeom>
+          <a:ln w="28575">
+            <a:solidFill>
+              <a:schemeClr val="tx1"/>
+            </a:solidFill>
+            <a:tailEnd type="triangle"/>
+          </a:ln>
+        </p:spPr>
+        <p:style>
+          <a:lnRef idx="1">
+            <a:schemeClr val="accent1"/>
+          </a:lnRef>
+          <a:fillRef idx="0">
+            <a:schemeClr val="accent1"/>
+          </a:fillRef>
+          <a:effectRef idx="0">
+            <a:schemeClr val="accent1"/>
+          </a:effectRef>
+          <a:fontRef idx="minor">
+            <a:schemeClr val="tx1"/>
+          </a:fontRef>
+        </p:style>
+      </p:cxnSp>
+      <p:cxnSp>
+        <p:nvCxnSpPr>
+          <p:cNvPr id="46" name="Conector: angular 45">
+            <a:extLst>
+              <a:ext uri="{FF2B5EF4-FFF2-40B4-BE49-F238E27FC236}">
+                <a16:creationId xmlns:a16="http://schemas.microsoft.com/office/drawing/2014/main" id="{052DE47D-04FC-41A7-A743-C5A64963E8A1}"/>
+              </a:ext>
+            </a:extLst>
+          </p:cNvPr>
+          <p:cNvCxnSpPr>
+            <a:cxnSpLocks/>
+            <a:stCxn id="3" idx="2"/>
+            <a:endCxn id="42" idx="1"/>
+          </p:cNvCxnSpPr>
+          <p:nvPr/>
+        </p:nvCxnSpPr>
+        <p:spPr>
+          <a:xfrm rot="16200000" flipH="1">
+            <a:off x="1827234" y="1924966"/>
+            <a:ext cx="957706" cy="2649214"/>
+          </a:xfrm>
+          <a:prstGeom prst="bentConnector2">
+            <a:avLst/>
+          </a:prstGeom>
+          <a:ln w="28575">
+            <a:solidFill>
+              <a:schemeClr val="tx1"/>
+            </a:solidFill>
+            <a:tailEnd type="triangle"/>
+          </a:ln>
+        </p:spPr>
+        <p:style>
+          <a:lnRef idx="1">
+            <a:schemeClr val="accent1"/>
+          </a:lnRef>
+          <a:fillRef idx="0">
+            <a:schemeClr val="accent1"/>
+          </a:fillRef>
+          <a:effectRef idx="0">
+            <a:schemeClr val="accent1"/>
+          </a:effectRef>
+          <a:fontRef idx="minor">
+            <a:schemeClr val="tx1"/>
+          </a:fontRef>
+        </p:style>
+      </p:cxnSp>
+      <p:cxnSp>
+        <p:nvCxnSpPr>
+          <p:cNvPr id="47" name="Conector: angular 46">
+            <a:extLst>
+              <a:ext uri="{FF2B5EF4-FFF2-40B4-BE49-F238E27FC236}">
+                <a16:creationId xmlns:a16="http://schemas.microsoft.com/office/drawing/2014/main" id="{F9E62CBD-82CD-4577-9F79-68BAFBA23FBE}"/>
+              </a:ext>
+            </a:extLst>
+          </p:cNvPr>
+          <p:cNvCxnSpPr>
+            <a:cxnSpLocks/>
+            <a:stCxn id="34" idx="0"/>
+            <a:endCxn id="42" idx="1"/>
+          </p:cNvCxnSpPr>
+          <p:nvPr/>
+        </p:nvCxnSpPr>
+        <p:spPr>
+          <a:xfrm rot="5400000" flipH="1" flipV="1">
+            <a:off x="1823661" y="2886245"/>
+            <a:ext cx="964852" cy="2649214"/>
+          </a:xfrm>
+          <a:prstGeom prst="bentConnector2">
+            <a:avLst/>
+          </a:prstGeom>
+          <a:ln w="28575">
+            <a:solidFill>
+              <a:schemeClr val="tx1"/>
+            </a:solidFill>
+            <a:tailEnd type="triangle"/>
+          </a:ln>
+        </p:spPr>
+        <p:style>
+          <a:lnRef idx="1">
+            <a:schemeClr val="accent1"/>
+          </a:lnRef>
+          <a:fillRef idx="0">
+            <a:schemeClr val="accent1"/>
+          </a:fillRef>
+          <a:effectRef idx="0">
+            <a:schemeClr val="accent1"/>
+          </a:effectRef>
+          <a:fontRef idx="minor">
+            <a:schemeClr val="tx1"/>
+          </a:fontRef>
+        </p:style>
+      </p:cxnSp>
+      <p:cxnSp>
+        <p:nvCxnSpPr>
+          <p:cNvPr id="52" name="Conector: angular 51">
+            <a:extLst>
+              <a:ext uri="{FF2B5EF4-FFF2-40B4-BE49-F238E27FC236}">
+                <a16:creationId xmlns:a16="http://schemas.microsoft.com/office/drawing/2014/main" id="{C969A176-BB83-4DF0-BAC0-111C3524E976}"/>
+              </a:ext>
+            </a:extLst>
+          </p:cNvPr>
+          <p:cNvCxnSpPr>
+            <a:cxnSpLocks/>
+            <a:stCxn id="34" idx="2"/>
+            <a:endCxn id="36" idx="2"/>
+          </p:cNvCxnSpPr>
+          <p:nvPr/>
+        </p:nvCxnSpPr>
+        <p:spPr>
+          <a:xfrm rot="5400000" flipH="1" flipV="1">
+            <a:off x="1784121" y="4955921"/>
+            <a:ext cx="14716" cy="1619998"/>
+          </a:xfrm>
+          <a:prstGeom prst="bentConnector3">
+            <a:avLst>
+              <a:gd name="adj1" fmla="val -2294489"/>
+            </a:avLst>
+          </a:prstGeom>
+          <a:ln w="28575">
+            <a:solidFill>
+              <a:schemeClr val="tx1"/>
+            </a:solidFill>
+            <a:tailEnd type="triangle"/>
+          </a:ln>
+        </p:spPr>
+        <p:style>
+          <a:lnRef idx="1">
+            <a:schemeClr val="accent1"/>
+          </a:lnRef>
+          <a:fillRef idx="0">
+            <a:schemeClr val="accent1"/>
+          </a:fillRef>
+          <a:effectRef idx="0">
+            <a:schemeClr val="accent1"/>
+          </a:effectRef>
+          <a:fontRef idx="minor">
+            <a:schemeClr val="tx1"/>
+          </a:fontRef>
+        </p:style>
+      </p:cxnSp>
+      <p:sp>
+        <p:nvSpPr>
+          <p:cNvPr id="3" name="Rectángulo: esquinas redondeadas 2">
+            <a:extLst>
+              <a:ext uri="{FF2B5EF4-FFF2-40B4-BE49-F238E27FC236}">
+                <a16:creationId xmlns:a16="http://schemas.microsoft.com/office/drawing/2014/main" id="{17BB0EBE-83B4-422B-A61E-388B24D6E745}"/>
+              </a:ext>
+            </a:extLst>
+          </p:cNvPr>
+          <p:cNvSpPr/>
+          <p:nvPr/>
+        </p:nvSpPr>
+        <p:spPr>
+          <a:xfrm>
+            <a:off x="441480" y="1690720"/>
+            <a:ext cx="1080000" cy="1080000"/>
+          </a:xfrm>
+          <a:prstGeom prst="roundRect">
+            <a:avLst/>
+          </a:prstGeom>
+          <a:noFill/>
+          <a:ln w="38100">
+            <a:solidFill>
+              <a:schemeClr val="accent6"/>
+            </a:solidFill>
+          </a:ln>
+        </p:spPr>
+        <p:style>
+          <a:lnRef idx="2">
+            <a:schemeClr val="accent1">
+              <a:shade val="50000"/>
+            </a:schemeClr>
+          </a:lnRef>
+          <a:fillRef idx="1">
+            <a:schemeClr val="accent1"/>
+          </a:fillRef>
+          <a:effectRef idx="0">
+            <a:schemeClr val="accent1"/>
+          </a:effectRef>
+          <a:fontRef idx="minor">
+            <a:schemeClr val="lt1"/>
+          </a:fontRef>
+        </p:style>
+        <p:txBody>
+          <a:bodyPr rtlCol="0" anchor="ctr"/>
+          <a:lstStyle/>
+          <a:p>
+            <a:pPr algn="ctr"/>
+            <a:r>
+              <a:rPr lang="en-US" sz="1600" i="1" u="sng" dirty="0">
+                <a:solidFill>
+                  <a:schemeClr val="tx1"/>
+                </a:solidFill>
+              </a:rPr>
+              <a:t>Script 1</a:t>
+            </a:r>
+            <a:r>
+              <a:rPr lang="en-US" sz="1600" dirty="0">
+                <a:solidFill>
+                  <a:schemeClr val="tx1"/>
+                </a:solidFill>
+              </a:rPr>
+              <a:t> Control Manager</a:t>
+            </a:r>
+          </a:p>
+        </p:txBody>
+      </p:sp>
+      <p:sp>
+        <p:nvSpPr>
+          <p:cNvPr id="33" name="Rectángulo: esquinas redondeadas 32">
+            <a:extLst>
+              <a:ext uri="{FF2B5EF4-FFF2-40B4-BE49-F238E27FC236}">
+                <a16:creationId xmlns:a16="http://schemas.microsoft.com/office/drawing/2014/main" id="{2EC6744A-2278-49C7-8596-61AA36AF3035}"/>
+              </a:ext>
+            </a:extLst>
+          </p:cNvPr>
+          <p:cNvSpPr/>
+          <p:nvPr/>
+        </p:nvSpPr>
+        <p:spPr>
+          <a:xfrm>
+            <a:off x="2061479" y="1701459"/>
+            <a:ext cx="1080000" cy="1080000"/>
+          </a:xfrm>
+          <a:prstGeom prst="roundRect">
+            <a:avLst/>
+          </a:prstGeom>
+          <a:noFill/>
+          <a:ln w="38100">
+            <a:solidFill>
+              <a:schemeClr val="accent6"/>
+            </a:solidFill>
+          </a:ln>
+        </p:spPr>
+        <p:style>
+          <a:lnRef idx="2">
+            <a:schemeClr val="accent1">
+              <a:shade val="50000"/>
+            </a:schemeClr>
+          </a:lnRef>
+          <a:fillRef idx="1">
+            <a:schemeClr val="accent1"/>
+          </a:fillRef>
+          <a:effectRef idx="0">
+            <a:schemeClr val="accent1"/>
+          </a:effectRef>
+          <a:fontRef idx="minor">
+            <a:schemeClr val="lt1"/>
+          </a:fontRef>
+        </p:style>
+        <p:txBody>
+          <a:bodyPr rtlCol="0" anchor="ctr"/>
+          <a:lstStyle/>
+          <a:p>
+            <a:pPr algn="ctr"/>
+            <a:r>
+              <a:rPr lang="en-US" sz="1600" i="1" u="sng" dirty="0">
+                <a:solidFill>
+                  <a:schemeClr val="tx1"/>
+                </a:solidFill>
+              </a:rPr>
+              <a:t>Script 2</a:t>
+            </a:r>
+            <a:r>
+              <a:rPr lang="en-US" sz="1600" dirty="0">
+                <a:solidFill>
+                  <a:schemeClr val="tx1"/>
+                </a:solidFill>
+              </a:rPr>
+              <a:t> State Manager</a:t>
+            </a:r>
+          </a:p>
+        </p:txBody>
+      </p:sp>
+      <p:sp>
+        <p:nvSpPr>
+          <p:cNvPr id="34" name="Rectángulo: esquinas redondeadas 33">
+            <a:extLst>
+              <a:ext uri="{FF2B5EF4-FFF2-40B4-BE49-F238E27FC236}">
+                <a16:creationId xmlns:a16="http://schemas.microsoft.com/office/drawing/2014/main" id="{5044CF5E-010B-4601-A31D-FCE44614CC31}"/>
+              </a:ext>
+            </a:extLst>
+          </p:cNvPr>
+          <p:cNvSpPr/>
+          <p:nvPr/>
+        </p:nvSpPr>
+        <p:spPr>
+          <a:xfrm>
+            <a:off x="441480" y="4693278"/>
+            <a:ext cx="1080000" cy="1080000"/>
+          </a:xfrm>
+          <a:prstGeom prst="roundRect">
+            <a:avLst/>
+          </a:prstGeom>
+          <a:noFill/>
+          <a:ln w="38100">
+            <a:solidFill>
+              <a:schemeClr val="accent6"/>
+            </a:solidFill>
+          </a:ln>
+        </p:spPr>
+        <p:style>
+          <a:lnRef idx="2">
+            <a:schemeClr val="accent1">
+              <a:shade val="50000"/>
+            </a:schemeClr>
+          </a:lnRef>
+          <a:fillRef idx="1">
+            <a:schemeClr val="accent1"/>
+          </a:fillRef>
+          <a:effectRef idx="0">
+            <a:schemeClr val="accent1"/>
+          </a:effectRef>
+          <a:fontRef idx="minor">
+            <a:schemeClr val="lt1"/>
+          </a:fontRef>
+        </p:style>
+        <p:txBody>
+          <a:bodyPr rtlCol="0" anchor="ctr"/>
+          <a:lstStyle/>
+          <a:p>
+            <a:pPr algn="ctr"/>
+            <a:r>
+              <a:rPr lang="en-US" sz="1600" i="1" u="sng" dirty="0">
+                <a:solidFill>
+                  <a:schemeClr val="tx1"/>
+                </a:solidFill>
+              </a:rPr>
+              <a:t>Script 3 </a:t>
+            </a:r>
+            <a:r>
+              <a:rPr lang="en-US" sz="1500" dirty="0">
+                <a:solidFill>
+                  <a:schemeClr val="tx1"/>
+                </a:solidFill>
+              </a:rPr>
+              <a:t>Character Stats</a:t>
+            </a:r>
+          </a:p>
+        </p:txBody>
+      </p:sp>
+      <p:sp>
+        <p:nvSpPr>
+          <p:cNvPr id="36" name="Rectángulo: esquinas redondeadas 35">
+            <a:extLst>
+              <a:ext uri="{FF2B5EF4-FFF2-40B4-BE49-F238E27FC236}">
+                <a16:creationId xmlns:a16="http://schemas.microsoft.com/office/drawing/2014/main" id="{D1634ED2-983D-4E50-AAAF-3688C6886397}"/>
+              </a:ext>
+            </a:extLst>
+          </p:cNvPr>
+          <p:cNvSpPr/>
+          <p:nvPr/>
+        </p:nvSpPr>
+        <p:spPr>
+          <a:xfrm>
+            <a:off x="2061478" y="4678562"/>
+            <a:ext cx="1080000" cy="1080000"/>
+          </a:xfrm>
+          <a:prstGeom prst="roundRect">
+            <a:avLst/>
+          </a:prstGeom>
+          <a:noFill/>
+          <a:ln w="38100">
+            <a:solidFill>
+              <a:schemeClr val="accent6"/>
+            </a:solidFill>
+          </a:ln>
+        </p:spPr>
+        <p:style>
+          <a:lnRef idx="2">
+            <a:schemeClr val="accent1">
+              <a:shade val="50000"/>
+            </a:schemeClr>
+          </a:lnRef>
+          <a:fillRef idx="1">
+            <a:schemeClr val="accent1"/>
+          </a:fillRef>
+          <a:effectRef idx="0">
+            <a:schemeClr val="accent1"/>
+          </a:effectRef>
+          <a:fontRef idx="minor">
+            <a:schemeClr val="lt1"/>
+          </a:fontRef>
+        </p:style>
+        <p:txBody>
+          <a:bodyPr rtlCol="0" anchor="ctr"/>
+          <a:lstStyle/>
+          <a:p>
+            <a:pPr algn="ctr"/>
+            <a:r>
+              <a:rPr lang="en-US" sz="1600" u="sng" dirty="0">
+                <a:solidFill>
+                  <a:schemeClr val="tx1"/>
+                </a:solidFill>
+              </a:rPr>
+              <a:t>Script 4</a:t>
+            </a:r>
+            <a:r>
+              <a:rPr lang="en-US" sz="1600" dirty="0">
+                <a:solidFill>
+                  <a:schemeClr val="tx1"/>
+                </a:solidFill>
+              </a:rPr>
+              <a:t> Universal Physics Manager</a:t>
+            </a:r>
+          </a:p>
+        </p:txBody>
+      </p:sp>
+      <p:sp>
+        <p:nvSpPr>
+          <p:cNvPr id="56" name="Rectángulo: esquinas redondeadas 55">
+            <a:extLst>
+              <a:ext uri="{FF2B5EF4-FFF2-40B4-BE49-F238E27FC236}">
+                <a16:creationId xmlns:a16="http://schemas.microsoft.com/office/drawing/2014/main" id="{5E0B1FE1-9D41-4A24-BB3F-0EC4FA913D98}"/>
+              </a:ext>
+            </a:extLst>
+          </p:cNvPr>
+          <p:cNvSpPr/>
+          <p:nvPr/>
+        </p:nvSpPr>
+        <p:spPr>
+          <a:xfrm>
+            <a:off x="416313" y="2948401"/>
+            <a:ext cx="1132513" cy="407524"/>
+          </a:xfrm>
+          <a:prstGeom prst="roundRect">
+            <a:avLst/>
+          </a:prstGeom>
+          <a:solidFill>
+            <a:schemeClr val="bg1"/>
+          </a:solidFill>
+          <a:ln w="28575">
+            <a:solidFill>
+              <a:schemeClr val="tx1"/>
+            </a:solidFill>
+          </a:ln>
+        </p:spPr>
+        <p:style>
+          <a:lnRef idx="2">
+            <a:schemeClr val="accent1">
+              <a:shade val="50000"/>
+            </a:schemeClr>
+          </a:lnRef>
+          <a:fillRef idx="1">
+            <a:schemeClr val="accent1"/>
+          </a:fillRef>
+          <a:effectRef idx="0">
+            <a:schemeClr val="accent1"/>
+          </a:effectRef>
+          <a:fontRef idx="minor">
+            <a:schemeClr val="lt1"/>
+          </a:fontRef>
+        </p:style>
+        <p:txBody>
+          <a:bodyPr rtlCol="0" anchor="ctr"/>
+          <a:lstStyle/>
+          <a:p>
+            <a:pPr algn="ctr"/>
+            <a:r>
+              <a:rPr lang="en-US">
+                <a:solidFill>
+                  <a:schemeClr val="tx1"/>
+                </a:solidFill>
+              </a:rPr>
+              <a:t>Input</a:t>
+            </a:r>
+          </a:p>
+        </p:txBody>
+      </p:sp>
+      <p:sp>
+        <p:nvSpPr>
+          <p:cNvPr id="64" name="Rectángulo: esquinas redondeadas 63">
+            <a:extLst>
+              <a:ext uri="{FF2B5EF4-FFF2-40B4-BE49-F238E27FC236}">
+                <a16:creationId xmlns:a16="http://schemas.microsoft.com/office/drawing/2014/main" id="{E9F3D1BE-CBAA-4E26-B963-2D476B4E2D91}"/>
+              </a:ext>
+            </a:extLst>
+          </p:cNvPr>
+          <p:cNvSpPr/>
+          <p:nvPr/>
+        </p:nvSpPr>
+        <p:spPr>
+          <a:xfrm>
+            <a:off x="2040982" y="2948401"/>
+            <a:ext cx="1132513" cy="407524"/>
+          </a:xfrm>
+          <a:prstGeom prst="roundRect">
+            <a:avLst/>
+          </a:prstGeom>
+          <a:solidFill>
+            <a:schemeClr val="bg1"/>
+          </a:solidFill>
+          <a:ln w="28575">
+            <a:solidFill>
+              <a:schemeClr val="tx1"/>
+            </a:solidFill>
+          </a:ln>
+        </p:spPr>
+        <p:style>
+          <a:lnRef idx="2">
+            <a:schemeClr val="accent1">
+              <a:shade val="50000"/>
+            </a:schemeClr>
+          </a:lnRef>
+          <a:fillRef idx="1">
+            <a:schemeClr val="accent1"/>
+          </a:fillRef>
+          <a:effectRef idx="0">
+            <a:schemeClr val="accent1"/>
+          </a:effectRef>
+          <a:fontRef idx="minor">
+            <a:schemeClr val="lt1"/>
+          </a:fontRef>
+        </p:style>
+        <p:txBody>
+          <a:bodyPr rtlCol="0" anchor="ctr"/>
+          <a:lstStyle/>
+          <a:p>
+            <a:pPr algn="ctr"/>
+            <a:r>
+              <a:rPr lang="en-US" dirty="0">
+                <a:solidFill>
+                  <a:schemeClr val="tx1"/>
+                </a:solidFill>
+              </a:rPr>
+              <a:t>State</a:t>
+            </a:r>
+          </a:p>
+        </p:txBody>
+      </p:sp>
+      <p:sp>
+        <p:nvSpPr>
+          <p:cNvPr id="65" name="Rectángulo: esquinas redondeadas 64">
+            <a:extLst>
+              <a:ext uri="{FF2B5EF4-FFF2-40B4-BE49-F238E27FC236}">
+                <a16:creationId xmlns:a16="http://schemas.microsoft.com/office/drawing/2014/main" id="{E884B28D-D799-4A91-A8C7-004B826D1276}"/>
+              </a:ext>
+            </a:extLst>
+          </p:cNvPr>
+          <p:cNvSpPr/>
+          <p:nvPr/>
+        </p:nvSpPr>
+        <p:spPr>
+          <a:xfrm>
+            <a:off x="421657" y="4064664"/>
+            <a:ext cx="1132513" cy="407524"/>
+          </a:xfrm>
+          <a:prstGeom prst="roundRect">
+            <a:avLst/>
+          </a:prstGeom>
+          <a:solidFill>
+            <a:schemeClr val="bg1"/>
+          </a:solidFill>
+          <a:ln w="28575">
+            <a:solidFill>
+              <a:schemeClr val="tx1"/>
+            </a:solidFill>
+          </a:ln>
+        </p:spPr>
+        <p:style>
+          <a:lnRef idx="2">
+            <a:schemeClr val="accent1">
+              <a:shade val="50000"/>
+            </a:schemeClr>
+          </a:lnRef>
+          <a:fillRef idx="1">
+            <a:schemeClr val="accent1"/>
+          </a:fillRef>
+          <a:effectRef idx="0">
+            <a:schemeClr val="accent1"/>
+          </a:effectRef>
+          <a:fontRef idx="minor">
+            <a:schemeClr val="lt1"/>
+          </a:fontRef>
+        </p:style>
+        <p:txBody>
+          <a:bodyPr rtlCol="0" anchor="ctr"/>
+          <a:lstStyle/>
+          <a:p>
+            <a:pPr algn="ctr"/>
+            <a:r>
+              <a:rPr lang="en-US">
+                <a:solidFill>
+                  <a:schemeClr val="tx1"/>
+                </a:solidFill>
+              </a:rPr>
+              <a:t>Stats</a:t>
+            </a:r>
+          </a:p>
+        </p:txBody>
+      </p:sp>
+      <p:sp>
+        <p:nvSpPr>
+          <p:cNvPr id="66" name="Rectángulo: esquinas redondeadas 65">
+            <a:extLst>
+              <a:ext uri="{FF2B5EF4-FFF2-40B4-BE49-F238E27FC236}">
+                <a16:creationId xmlns:a16="http://schemas.microsoft.com/office/drawing/2014/main" id="{AB32D61D-2C54-41E9-8E06-DE968687DFDA}"/>
+              </a:ext>
+            </a:extLst>
+          </p:cNvPr>
+          <p:cNvSpPr/>
+          <p:nvPr/>
+        </p:nvSpPr>
+        <p:spPr>
+          <a:xfrm>
+            <a:off x="1220142" y="5910414"/>
+            <a:ext cx="1132513" cy="407524"/>
+          </a:xfrm>
+          <a:prstGeom prst="roundRect">
+            <a:avLst/>
+          </a:prstGeom>
+          <a:solidFill>
+            <a:schemeClr val="bg1"/>
+          </a:solidFill>
+          <a:ln w="28575">
+            <a:solidFill>
+              <a:schemeClr val="tx1"/>
+            </a:solidFill>
+          </a:ln>
+        </p:spPr>
+        <p:style>
+          <a:lnRef idx="2">
+            <a:schemeClr val="accent1">
+              <a:shade val="50000"/>
+            </a:schemeClr>
+          </a:lnRef>
+          <a:fillRef idx="1">
+            <a:schemeClr val="accent1"/>
+          </a:fillRef>
+          <a:effectRef idx="0">
+            <a:schemeClr val="accent1"/>
+          </a:effectRef>
+          <a:fontRef idx="minor">
+            <a:schemeClr val="lt1"/>
+          </a:fontRef>
+        </p:style>
+        <p:txBody>
+          <a:bodyPr rtlCol="0" anchor="ctr"/>
+          <a:lstStyle/>
+          <a:p>
+            <a:pPr algn="ctr"/>
+            <a:r>
+              <a:rPr lang="en-US">
+                <a:solidFill>
+                  <a:schemeClr val="tx1"/>
+                </a:solidFill>
+              </a:rPr>
+              <a:t>Stats</a:t>
+            </a:r>
+          </a:p>
+        </p:txBody>
+      </p:sp>
+      <p:sp>
+        <p:nvSpPr>
+          <p:cNvPr id="68" name="Rectángulo: esquinas redondeadas 67">
+            <a:extLst>
+              <a:ext uri="{FF2B5EF4-FFF2-40B4-BE49-F238E27FC236}">
+                <a16:creationId xmlns:a16="http://schemas.microsoft.com/office/drawing/2014/main" id="{44ADA7A2-C98A-4606-8CB5-7F01708280EA}"/>
+              </a:ext>
+            </a:extLst>
+          </p:cNvPr>
+          <p:cNvSpPr/>
+          <p:nvPr/>
+        </p:nvSpPr>
+        <p:spPr>
+          <a:xfrm>
+            <a:off x="2040982" y="4067734"/>
+            <a:ext cx="1132513" cy="407524"/>
+          </a:xfrm>
+          <a:prstGeom prst="roundRect">
+            <a:avLst/>
+          </a:prstGeom>
+          <a:solidFill>
+            <a:schemeClr val="bg1"/>
+          </a:solidFill>
+          <a:ln w="28575">
+            <a:solidFill>
+              <a:schemeClr val="tx1"/>
+            </a:solidFill>
+          </a:ln>
+        </p:spPr>
+        <p:style>
+          <a:lnRef idx="2">
+            <a:schemeClr val="accent1">
+              <a:shade val="50000"/>
+            </a:schemeClr>
+          </a:lnRef>
+          <a:fillRef idx="1">
+            <a:schemeClr val="accent1"/>
+          </a:fillRef>
+          <a:effectRef idx="0">
+            <a:schemeClr val="accent1"/>
+          </a:effectRef>
+          <a:fontRef idx="minor">
+            <a:schemeClr val="lt1"/>
+          </a:fontRef>
+        </p:style>
+        <p:txBody>
+          <a:bodyPr rtlCol="0" anchor="ctr"/>
+          <a:lstStyle/>
+          <a:p>
+            <a:pPr algn="ctr"/>
+            <a:r>
+              <a:rPr lang="en-US" dirty="0">
+                <a:solidFill>
+                  <a:schemeClr val="tx1"/>
+                </a:solidFill>
+              </a:rPr>
+              <a:t>Physics</a:t>
+            </a:r>
+            <a:endParaRPr lang="es-UY" dirty="0">
+              <a:solidFill>
+                <a:schemeClr val="tx1"/>
+              </a:solidFill>
+            </a:endParaRPr>
+          </a:p>
+        </p:txBody>
+      </p:sp>
+      <p:sp>
+        <p:nvSpPr>
+          <p:cNvPr id="70" name="Rectángulo: esquinas redondeadas 69">
+            <a:extLst>
+              <a:ext uri="{FF2B5EF4-FFF2-40B4-BE49-F238E27FC236}">
+                <a16:creationId xmlns:a16="http://schemas.microsoft.com/office/drawing/2014/main" id="{79FF7596-5090-4275-BA3F-E93C0833CE8D}"/>
+              </a:ext>
+            </a:extLst>
+          </p:cNvPr>
+          <p:cNvSpPr/>
+          <p:nvPr/>
+        </p:nvSpPr>
+        <p:spPr>
+          <a:xfrm>
+            <a:off x="6187474" y="1215365"/>
+            <a:ext cx="1080000" cy="1080000"/>
+          </a:xfrm>
+          <a:prstGeom prst="roundRect">
+            <a:avLst/>
+          </a:prstGeom>
+          <a:noFill/>
+          <a:ln w="38100">
+            <a:solidFill>
+              <a:schemeClr val="accent6"/>
+            </a:solidFill>
+          </a:ln>
+        </p:spPr>
+        <p:style>
+          <a:lnRef idx="2">
+            <a:schemeClr val="accent1">
+              <a:shade val="50000"/>
+            </a:schemeClr>
+          </a:lnRef>
+          <a:fillRef idx="1">
+            <a:schemeClr val="accent1"/>
+          </a:fillRef>
+          <a:effectRef idx="0">
+            <a:schemeClr val="accent1"/>
+          </a:effectRef>
+          <a:fontRef idx="minor">
+            <a:schemeClr val="lt1"/>
+          </a:fontRef>
+        </p:style>
+        <p:txBody>
+          <a:bodyPr rtlCol="0" anchor="ctr"/>
+          <a:lstStyle/>
+          <a:p>
+            <a:pPr algn="ctr"/>
+            <a:r>
+              <a:rPr lang="en-US" sz="1600" i="1" u="sng" dirty="0">
+                <a:solidFill>
+                  <a:schemeClr val="tx1"/>
+                </a:solidFill>
+              </a:rPr>
+              <a:t>Script 6</a:t>
+            </a:r>
+            <a:r>
+              <a:rPr lang="en-US" sz="1600" u="sng" dirty="0">
+                <a:solidFill>
+                  <a:schemeClr val="tx1"/>
+                </a:solidFill>
+              </a:rPr>
+              <a:t> </a:t>
+            </a:r>
+            <a:r>
+              <a:rPr lang="en-US" sz="1400" dirty="0">
+                <a:solidFill>
+                  <a:schemeClr val="tx1"/>
+                </a:solidFill>
+              </a:rPr>
+              <a:t>Universal Animation Events</a:t>
+            </a:r>
+          </a:p>
+        </p:txBody>
+      </p:sp>
+      <p:sp>
+        <p:nvSpPr>
+          <p:cNvPr id="26" name="Rectángulo: esquinas redondeadas 25">
+            <a:extLst>
+              <a:ext uri="{FF2B5EF4-FFF2-40B4-BE49-F238E27FC236}">
+                <a16:creationId xmlns:a16="http://schemas.microsoft.com/office/drawing/2014/main" id="{C6388224-D85F-43E7-BDA2-DB37AFDCF38A}"/>
+              </a:ext>
+            </a:extLst>
+          </p:cNvPr>
+          <p:cNvSpPr/>
+          <p:nvPr/>
+        </p:nvSpPr>
+        <p:spPr>
+          <a:xfrm>
+            <a:off x="6071332" y="2582957"/>
+            <a:ext cx="1312284" cy="407524"/>
+          </a:xfrm>
+          <a:prstGeom prst="roundRect">
+            <a:avLst/>
+          </a:prstGeom>
+          <a:solidFill>
+            <a:schemeClr val="bg1"/>
+          </a:solidFill>
+          <a:ln w="28575">
+            <a:solidFill>
+              <a:schemeClr val="tx1"/>
+            </a:solidFill>
+          </a:ln>
+        </p:spPr>
+        <p:style>
+          <a:lnRef idx="2">
+            <a:schemeClr val="accent1">
+              <a:shade val="50000"/>
+            </a:schemeClr>
+          </a:lnRef>
+          <a:fillRef idx="1">
+            <a:schemeClr val="accent1"/>
+          </a:fillRef>
+          <a:effectRef idx="0">
+            <a:schemeClr val="accent1"/>
+          </a:effectRef>
+          <a:fontRef idx="minor">
+            <a:schemeClr val="lt1"/>
+          </a:fontRef>
+        </p:style>
+        <p:txBody>
+          <a:bodyPr rtlCol="0" anchor="ctr"/>
+          <a:lstStyle/>
+          <a:p>
+            <a:pPr algn="ctr"/>
+            <a:r>
+              <a:rPr lang="en-US" dirty="0">
+                <a:solidFill>
+                  <a:schemeClr val="tx1"/>
+                </a:solidFill>
+              </a:rPr>
+              <a:t>Animations</a:t>
+            </a:r>
+          </a:p>
+        </p:txBody>
+      </p:sp>
+      <p:sp>
+        <p:nvSpPr>
+          <p:cNvPr id="27" name="Rectángulo: esquinas redondeadas 26">
+            <a:extLst>
+              <a:ext uri="{FF2B5EF4-FFF2-40B4-BE49-F238E27FC236}">
+                <a16:creationId xmlns:a16="http://schemas.microsoft.com/office/drawing/2014/main" id="{D31D3B60-8144-4AE7-88E0-0AE9DDE301CD}"/>
+              </a:ext>
+            </a:extLst>
+          </p:cNvPr>
+          <p:cNvSpPr/>
+          <p:nvPr/>
+        </p:nvSpPr>
+        <p:spPr>
+          <a:xfrm>
+            <a:off x="3544453" y="1424389"/>
+            <a:ext cx="2332481" cy="648823"/>
+          </a:xfrm>
+          <a:prstGeom prst="roundRect">
+            <a:avLst/>
+          </a:prstGeom>
+          <a:solidFill>
+            <a:schemeClr val="bg1"/>
+          </a:solidFill>
+          <a:ln w="28575">
+            <a:solidFill>
+              <a:schemeClr val="tx1"/>
+            </a:solidFill>
+          </a:ln>
+        </p:spPr>
+        <p:style>
+          <a:lnRef idx="2">
+            <a:schemeClr val="accent1">
+              <a:shade val="50000"/>
+            </a:schemeClr>
+          </a:lnRef>
+          <a:fillRef idx="1">
+            <a:schemeClr val="accent1"/>
+          </a:fillRef>
+          <a:effectRef idx="0">
+            <a:schemeClr val="accent1"/>
+          </a:effectRef>
+          <a:fontRef idx="minor">
+            <a:schemeClr val="lt1"/>
+          </a:fontRef>
+        </p:style>
+        <p:txBody>
+          <a:bodyPr rtlCol="0" anchor="ctr"/>
+          <a:lstStyle/>
+          <a:p>
+            <a:pPr algn="ctr"/>
+            <a:r>
+              <a:rPr lang="en-US" dirty="0">
+                <a:solidFill>
+                  <a:schemeClr val="tx1"/>
+                </a:solidFill>
+              </a:rPr>
+              <a:t>Events can modify any previous script.</a:t>
+            </a:r>
+          </a:p>
+        </p:txBody>
+      </p:sp>
+      <p:cxnSp>
+        <p:nvCxnSpPr>
+          <p:cNvPr id="29" name="Conector recto de flecha 28">
+            <a:extLst>
+              <a:ext uri="{FF2B5EF4-FFF2-40B4-BE49-F238E27FC236}">
+                <a16:creationId xmlns:a16="http://schemas.microsoft.com/office/drawing/2014/main" id="{F7964DF8-4C41-4C3E-A53A-1B336A709A73}"/>
+              </a:ext>
+            </a:extLst>
+          </p:cNvPr>
+          <p:cNvCxnSpPr>
+            <a:cxnSpLocks/>
+            <a:stCxn id="42" idx="3"/>
+            <a:endCxn id="28" idx="1"/>
+          </p:cNvCxnSpPr>
+          <p:nvPr/>
+        </p:nvCxnSpPr>
+        <p:spPr>
+          <a:xfrm>
+            <a:off x="4710694" y="3728426"/>
+            <a:ext cx="1476780" cy="2908"/>
+          </a:xfrm>
+          <a:prstGeom prst="straightConnector1">
+            <a:avLst/>
+          </a:prstGeom>
+          <a:ln w="28575">
+            <a:solidFill>
+              <a:schemeClr val="tx1"/>
+            </a:solidFill>
+            <a:tailEnd type="triangle"/>
+          </a:ln>
+        </p:spPr>
+        <p:style>
+          <a:lnRef idx="1">
+            <a:schemeClr val="accent1"/>
+          </a:lnRef>
+          <a:fillRef idx="0">
+            <a:schemeClr val="accent1"/>
+          </a:fillRef>
+          <a:effectRef idx="0">
+            <a:schemeClr val="accent1"/>
+          </a:effectRef>
+          <a:fontRef idx="minor">
+            <a:schemeClr val="tx1"/>
+          </a:fontRef>
+        </p:style>
+      </p:cxnSp>
+      <p:sp>
+        <p:nvSpPr>
+          <p:cNvPr id="30" name="Rectángulo: esquinas redondeadas 29">
+            <a:extLst>
+              <a:ext uri="{FF2B5EF4-FFF2-40B4-BE49-F238E27FC236}">
+                <a16:creationId xmlns:a16="http://schemas.microsoft.com/office/drawing/2014/main" id="{F7A5EE55-1912-477B-B84C-9436B00592D0}"/>
+              </a:ext>
+            </a:extLst>
+          </p:cNvPr>
+          <p:cNvSpPr/>
+          <p:nvPr/>
+        </p:nvSpPr>
+        <p:spPr>
+          <a:xfrm>
+            <a:off x="4880147" y="3524663"/>
+            <a:ext cx="1132513" cy="407524"/>
+          </a:xfrm>
+          <a:prstGeom prst="roundRect">
+            <a:avLst/>
+          </a:prstGeom>
+          <a:solidFill>
+            <a:schemeClr val="bg1"/>
+          </a:solidFill>
+          <a:ln w="28575">
+            <a:solidFill>
+              <a:schemeClr val="tx1"/>
+            </a:solidFill>
+          </a:ln>
+        </p:spPr>
+        <p:style>
+          <a:lnRef idx="2">
+            <a:schemeClr val="accent1">
+              <a:shade val="50000"/>
+            </a:schemeClr>
+          </a:lnRef>
+          <a:fillRef idx="1">
+            <a:schemeClr val="accent1"/>
+          </a:fillRef>
+          <a:effectRef idx="0">
+            <a:schemeClr val="accent1"/>
+          </a:effectRef>
+          <a:fontRef idx="minor">
+            <a:schemeClr val="lt1"/>
+          </a:fontRef>
+        </p:style>
+        <p:txBody>
+          <a:bodyPr rtlCol="0" anchor="ctr"/>
+          <a:lstStyle/>
+          <a:p>
+            <a:pPr algn="ctr"/>
+            <a:r>
+              <a:rPr lang="en-US" dirty="0">
+                <a:solidFill>
+                  <a:schemeClr val="tx1"/>
+                </a:solidFill>
+              </a:rPr>
+              <a:t>Action</a:t>
+            </a:r>
+          </a:p>
+        </p:txBody>
+      </p:sp>
+      <p:sp>
+        <p:nvSpPr>
+          <p:cNvPr id="42" name="Rectángulo: esquinas redondeadas 41">
+            <a:extLst>
+              <a:ext uri="{FF2B5EF4-FFF2-40B4-BE49-F238E27FC236}">
+                <a16:creationId xmlns:a16="http://schemas.microsoft.com/office/drawing/2014/main" id="{07000055-40F4-490C-A64A-325F9EC763C0}"/>
+              </a:ext>
+            </a:extLst>
+          </p:cNvPr>
+          <p:cNvSpPr/>
+          <p:nvPr/>
+        </p:nvSpPr>
+        <p:spPr>
+          <a:xfrm>
+            <a:off x="3630694" y="3188426"/>
+            <a:ext cx="1080000" cy="1080000"/>
+          </a:xfrm>
+          <a:prstGeom prst="roundRect">
+            <a:avLst/>
+          </a:prstGeom>
+          <a:noFill/>
+          <a:ln w="38100">
+            <a:solidFill>
+              <a:schemeClr val="accent6"/>
+            </a:solidFill>
+          </a:ln>
+        </p:spPr>
+        <p:style>
+          <a:lnRef idx="2">
+            <a:schemeClr val="accent1">
+              <a:shade val="50000"/>
+            </a:schemeClr>
+          </a:lnRef>
+          <a:fillRef idx="1">
+            <a:schemeClr val="accent1"/>
+          </a:fillRef>
+          <a:effectRef idx="0">
+            <a:schemeClr val="accent1"/>
+          </a:effectRef>
+          <a:fontRef idx="minor">
+            <a:schemeClr val="lt1"/>
+          </a:fontRef>
+        </p:style>
+        <p:txBody>
+          <a:bodyPr rtlCol="0" anchor="ctr"/>
+          <a:lstStyle/>
+          <a:p>
+            <a:pPr algn="ctr"/>
+            <a:r>
+              <a:rPr lang="en-US" sz="1600" i="1" u="sng" dirty="0">
+                <a:solidFill>
+                  <a:schemeClr val="tx1"/>
+                </a:solidFill>
+              </a:rPr>
+              <a:t>Script 5</a:t>
+            </a:r>
+            <a:r>
+              <a:rPr lang="en-US" sz="1600" i="1" dirty="0">
+                <a:solidFill>
+                  <a:schemeClr val="tx1"/>
+                </a:solidFill>
+              </a:rPr>
+              <a:t> </a:t>
+            </a:r>
+            <a:r>
+              <a:rPr lang="en-US" sz="1600" dirty="0">
+                <a:solidFill>
+                  <a:schemeClr val="tx1"/>
+                </a:solidFill>
+              </a:rPr>
+              <a:t>Universal</a:t>
+            </a:r>
+            <a:r>
+              <a:rPr lang="en-US" sz="1600" i="1" dirty="0">
+                <a:solidFill>
+                  <a:schemeClr val="tx1"/>
+                </a:solidFill>
+              </a:rPr>
+              <a:t> </a:t>
+            </a:r>
+            <a:r>
+              <a:rPr lang="en-US" sz="1600" dirty="0">
+                <a:solidFill>
+                  <a:schemeClr val="tx1"/>
+                </a:solidFill>
+              </a:rPr>
+              <a:t>Action Manager</a:t>
+            </a:r>
+          </a:p>
+        </p:txBody>
+      </p:sp>
+      <p:sp>
+        <p:nvSpPr>
+          <p:cNvPr id="28" name="Rectángulo: esquinas redondeadas 27">
+            <a:extLst>
+              <a:ext uri="{FF2B5EF4-FFF2-40B4-BE49-F238E27FC236}">
+                <a16:creationId xmlns:a16="http://schemas.microsoft.com/office/drawing/2014/main" id="{D08FD934-47C2-4F7C-BC6F-2E55FBB34E85}"/>
+              </a:ext>
+            </a:extLst>
+          </p:cNvPr>
+          <p:cNvSpPr/>
+          <p:nvPr/>
+        </p:nvSpPr>
+        <p:spPr>
+          <a:xfrm>
+            <a:off x="6187474" y="3191334"/>
+            <a:ext cx="1080000" cy="1080000"/>
+          </a:xfrm>
+          <a:prstGeom prst="roundRect">
+            <a:avLst/>
+          </a:prstGeom>
+          <a:noFill/>
+          <a:ln w="38100">
+            <a:solidFill>
+              <a:schemeClr val="accent6"/>
+            </a:solidFill>
+          </a:ln>
+        </p:spPr>
+        <p:style>
+          <a:lnRef idx="2">
+            <a:schemeClr val="accent1">
+              <a:shade val="50000"/>
+            </a:schemeClr>
+          </a:lnRef>
+          <a:fillRef idx="1">
+            <a:schemeClr val="accent1"/>
+          </a:fillRef>
+          <a:effectRef idx="0">
+            <a:schemeClr val="accent1"/>
+          </a:effectRef>
+          <a:fontRef idx="minor">
+            <a:schemeClr val="lt1"/>
+          </a:fontRef>
+        </p:style>
+        <p:txBody>
+          <a:bodyPr rtlCol="0" anchor="ctr"/>
+          <a:lstStyle/>
+          <a:p>
+            <a:pPr algn="ctr"/>
+            <a:r>
+              <a:rPr lang="en-US" sz="1600" i="1" u="sng" dirty="0">
+                <a:solidFill>
+                  <a:schemeClr val="tx1"/>
+                </a:solidFill>
+              </a:rPr>
+              <a:t>Script 7 </a:t>
+            </a:r>
+            <a:r>
+              <a:rPr lang="en-US" sz="1400" dirty="0">
+                <a:solidFill>
+                  <a:schemeClr val="tx1"/>
+                </a:solidFill>
+              </a:rPr>
+              <a:t>Character Animation Manager</a:t>
+            </a:r>
+          </a:p>
+        </p:txBody>
+      </p:sp>
+      <p:sp>
+        <p:nvSpPr>
+          <p:cNvPr id="31" name="Rectángulo: esquinas redondeadas 30">
+            <a:extLst>
+              <a:ext uri="{FF2B5EF4-FFF2-40B4-BE49-F238E27FC236}">
+                <a16:creationId xmlns:a16="http://schemas.microsoft.com/office/drawing/2014/main" id="{08FA151F-6BD3-4F73-A1A0-BD44DF77409E}"/>
+              </a:ext>
+            </a:extLst>
+          </p:cNvPr>
+          <p:cNvSpPr/>
+          <p:nvPr/>
+        </p:nvSpPr>
+        <p:spPr>
+          <a:xfrm>
+            <a:off x="3630692" y="4693278"/>
+            <a:ext cx="1080000" cy="1080000"/>
+          </a:xfrm>
+          <a:prstGeom prst="roundRect">
+            <a:avLst/>
+          </a:prstGeom>
+          <a:noFill/>
+          <a:ln w="38100">
+            <a:solidFill>
+              <a:schemeClr val="accent6"/>
+            </a:solidFill>
+          </a:ln>
+        </p:spPr>
+        <p:style>
+          <a:lnRef idx="2">
+            <a:schemeClr val="accent1">
+              <a:shade val="50000"/>
+            </a:schemeClr>
+          </a:lnRef>
+          <a:fillRef idx="1">
+            <a:schemeClr val="accent1"/>
+          </a:fillRef>
+          <a:effectRef idx="0">
+            <a:schemeClr val="accent1"/>
+          </a:effectRef>
+          <a:fontRef idx="minor">
+            <a:schemeClr val="lt1"/>
+          </a:fontRef>
+        </p:style>
+        <p:txBody>
+          <a:bodyPr rtlCol="0" anchor="ctr"/>
+          <a:lstStyle/>
+          <a:p>
+            <a:pPr algn="ctr"/>
+            <a:r>
+              <a:rPr lang="en-US" sz="1600" i="1" u="sng" dirty="0">
+                <a:solidFill>
+                  <a:schemeClr val="tx1"/>
+                </a:solidFill>
+              </a:rPr>
+              <a:t>Script 8</a:t>
+            </a:r>
+            <a:r>
+              <a:rPr lang="en-US" sz="1600" i="1" dirty="0">
+                <a:solidFill>
+                  <a:schemeClr val="tx1"/>
+                </a:solidFill>
+              </a:rPr>
+              <a:t> </a:t>
+            </a:r>
+            <a:r>
+              <a:rPr lang="en-US" sz="1500" dirty="0">
+                <a:solidFill>
+                  <a:schemeClr val="tx1"/>
+                </a:solidFill>
+              </a:rPr>
+              <a:t>Character</a:t>
+            </a:r>
+            <a:r>
+              <a:rPr lang="en-US" sz="1500" i="1" dirty="0">
+                <a:solidFill>
+                  <a:schemeClr val="tx1"/>
+                </a:solidFill>
+              </a:rPr>
+              <a:t> </a:t>
+            </a:r>
+            <a:r>
+              <a:rPr lang="en-US" sz="1500" dirty="0">
+                <a:solidFill>
+                  <a:schemeClr val="tx1"/>
+                </a:solidFill>
+              </a:rPr>
+              <a:t>Action Manager</a:t>
+            </a:r>
+          </a:p>
+        </p:txBody>
+      </p:sp>
+    </p:spTree>
+    <p:extLst>
+      <p:ext uri="{BB962C8B-B14F-4D97-AF65-F5344CB8AC3E}">
+        <p14:creationId xmlns:p14="http://schemas.microsoft.com/office/powerpoint/2010/main" val="824897653"/>
+      </p:ext>
+    </p:extLst>
+  </p:cSld>
+  <p:clrMapOvr>
+    <a:masterClrMapping/>
+  </p:clrMapOvr>
+</p:sld>
+</file>
+
+<file path=ppt/slides/slide4.xml><?xml version="1.0" encoding="utf-8"?>
 <p:sld xmlns:a="http://schemas.openxmlformats.org/drawingml/2006/main" xmlns:r="http://schemas.openxmlformats.org/officeDocument/2006/relationships" xmlns:p="http://schemas.openxmlformats.org/presentationml/2006/main">
   <p:cSld>
     <p:spTree>

--- a/Documentation/04 - Program outlines.pptx
+++ b/Documentation/04 - Program outlines.pptx
@@ -5,13 +5,14 @@
     <p:sldMasterId id="2147483672" r:id="rId1"/>
   </p:sldMasterIdLst>
   <p:notesMasterIdLst>
-    <p:notesMasterId r:id="rId6"/>
+    <p:notesMasterId r:id="rId7"/>
   </p:notesMasterIdLst>
   <p:sldIdLst>
     <p:sldId id="338" r:id="rId2"/>
     <p:sldId id="553" r:id="rId3"/>
     <p:sldId id="554" r:id="rId4"/>
     <p:sldId id="550" r:id="rId5"/>
+    <p:sldId id="555" r:id="rId6"/>
   </p:sldIdLst>
   <p:sldSz cx="12192000" cy="6858000"/>
   <p:notesSz cx="6858000" cy="9144000"/>
@@ -223,7 +224,7 @@
           <a:p>
             <a:fld id="{F7B5F293-33C8-4CC1-BF75-E4FD468BB3EB}" type="datetimeFigureOut">
               <a:rPr lang="es-UY" smtClean="0"/>
-              <a:t>1/8/2024</a:t>
+              <a:t>6/8/2024</a:t>
             </a:fld>
             <a:endParaRPr lang="es-UY" dirty="0"/>
           </a:p>
@@ -622,7 +623,7 @@
           <a:p>
             <a:fld id="{BE7F4C33-09C2-42C2-8546-5DB640DB547A}" type="datetimeFigureOut">
               <a:rPr lang="es-UY" smtClean="0"/>
-              <a:t>1/8/2024</a:t>
+              <a:t>6/8/2024</a:t>
             </a:fld>
             <a:endParaRPr lang="es-UY" dirty="0"/>
           </a:p>
@@ -792,7 +793,7 @@
           <a:p>
             <a:fld id="{BE7F4C33-09C2-42C2-8546-5DB640DB547A}" type="datetimeFigureOut">
               <a:rPr lang="es-UY" smtClean="0"/>
-              <a:t>1/8/2024</a:t>
+              <a:t>6/8/2024</a:t>
             </a:fld>
             <a:endParaRPr lang="es-UY" dirty="0"/>
           </a:p>
@@ -972,7 +973,7 @@
           <a:p>
             <a:fld id="{BE7F4C33-09C2-42C2-8546-5DB640DB547A}" type="datetimeFigureOut">
               <a:rPr lang="es-UY" smtClean="0"/>
-              <a:t>1/8/2024</a:t>
+              <a:t>6/8/2024</a:t>
             </a:fld>
             <a:endParaRPr lang="es-UY" dirty="0"/>
           </a:p>
@@ -1142,7 +1143,7 @@
           <a:p>
             <a:fld id="{BE7F4C33-09C2-42C2-8546-5DB640DB547A}" type="datetimeFigureOut">
               <a:rPr lang="es-UY" smtClean="0"/>
-              <a:t>1/8/2024</a:t>
+              <a:t>6/8/2024</a:t>
             </a:fld>
             <a:endParaRPr lang="es-UY" dirty="0"/>
           </a:p>
@@ -1388,7 +1389,7 @@
           <a:p>
             <a:fld id="{BE7F4C33-09C2-42C2-8546-5DB640DB547A}" type="datetimeFigureOut">
               <a:rPr lang="es-UY" smtClean="0"/>
-              <a:t>1/8/2024</a:t>
+              <a:t>6/8/2024</a:t>
             </a:fld>
             <a:endParaRPr lang="es-UY" dirty="0"/>
           </a:p>
@@ -1620,7 +1621,7 @@
           <a:p>
             <a:fld id="{BE7F4C33-09C2-42C2-8546-5DB640DB547A}" type="datetimeFigureOut">
               <a:rPr lang="es-UY" smtClean="0"/>
-              <a:t>1/8/2024</a:t>
+              <a:t>6/8/2024</a:t>
             </a:fld>
             <a:endParaRPr lang="es-UY" dirty="0"/>
           </a:p>
@@ -1987,7 +1988,7 @@
           <a:p>
             <a:fld id="{BE7F4C33-09C2-42C2-8546-5DB640DB547A}" type="datetimeFigureOut">
               <a:rPr lang="es-UY" smtClean="0"/>
-              <a:t>1/8/2024</a:t>
+              <a:t>6/8/2024</a:t>
             </a:fld>
             <a:endParaRPr lang="es-UY" dirty="0"/>
           </a:p>
@@ -2105,7 +2106,7 @@
           <a:p>
             <a:fld id="{BE7F4C33-09C2-42C2-8546-5DB640DB547A}" type="datetimeFigureOut">
               <a:rPr lang="es-UY" smtClean="0"/>
-              <a:t>1/8/2024</a:t>
+              <a:t>6/8/2024</a:t>
             </a:fld>
             <a:endParaRPr lang="es-UY" dirty="0"/>
           </a:p>
@@ -2200,7 +2201,7 @@
           <a:p>
             <a:fld id="{BE7F4C33-09C2-42C2-8546-5DB640DB547A}" type="datetimeFigureOut">
               <a:rPr lang="es-UY" smtClean="0"/>
-              <a:t>1/8/2024</a:t>
+              <a:t>6/8/2024</a:t>
             </a:fld>
             <a:endParaRPr lang="es-UY" dirty="0"/>
           </a:p>
@@ -2477,7 +2478,7 @@
           <a:p>
             <a:fld id="{BE7F4C33-09C2-42C2-8546-5DB640DB547A}" type="datetimeFigureOut">
               <a:rPr lang="es-UY" smtClean="0"/>
-              <a:t>1/8/2024</a:t>
+              <a:t>6/8/2024</a:t>
             </a:fld>
             <a:endParaRPr lang="es-UY" dirty="0"/>
           </a:p>
@@ -2734,7 +2735,7 @@
           <a:p>
             <a:fld id="{BE7F4C33-09C2-42C2-8546-5DB640DB547A}" type="datetimeFigureOut">
               <a:rPr lang="es-UY" smtClean="0"/>
-              <a:t>1/8/2024</a:t>
+              <a:t>6/8/2024</a:t>
             </a:fld>
             <a:endParaRPr lang="es-UY" dirty="0"/>
           </a:p>
@@ -2947,7 +2948,7 @@
           <a:p>
             <a:fld id="{BE7F4C33-09C2-42C2-8546-5DB640DB547A}" type="datetimeFigureOut">
               <a:rPr lang="es-UY" smtClean="0"/>
-              <a:t>1/8/2024</a:t>
+              <a:t>6/8/2024</a:t>
             </a:fld>
             <a:endParaRPr lang="es-UY" dirty="0"/>
           </a:p>
@@ -4933,6 +4934,148 @@
       </p:grpSpPr>
       <p:cxnSp>
         <p:nvCxnSpPr>
+          <p:cNvPr id="43" name="Conector: angular 42">
+            <a:extLst>
+              <a:ext uri="{FF2B5EF4-FFF2-40B4-BE49-F238E27FC236}">
+                <a16:creationId xmlns:a16="http://schemas.microsoft.com/office/drawing/2014/main" id="{539CB379-4F09-4085-AA20-3D850155A231}"/>
+              </a:ext>
+            </a:extLst>
+          </p:cNvPr>
+          <p:cNvCxnSpPr>
+            <a:cxnSpLocks/>
+            <a:stCxn id="42" idx="0"/>
+            <a:endCxn id="38" idx="2"/>
+          </p:cNvCxnSpPr>
+          <p:nvPr/>
+        </p:nvCxnSpPr>
+        <p:spPr>
+          <a:xfrm rot="16200000" flipV="1">
+            <a:off x="3961840" y="2979572"/>
+            <a:ext cx="417707" cy="2"/>
+          </a:xfrm>
+          <a:prstGeom prst="bentConnector3">
+            <a:avLst>
+              <a:gd name="adj1" fmla="val 50000"/>
+            </a:avLst>
+          </a:prstGeom>
+          <a:ln w="28575">
+            <a:solidFill>
+              <a:schemeClr val="tx1"/>
+            </a:solidFill>
+            <a:tailEnd type="triangle"/>
+          </a:ln>
+        </p:spPr>
+        <p:style>
+          <a:lnRef idx="1">
+            <a:schemeClr val="accent1"/>
+          </a:lnRef>
+          <a:fillRef idx="0">
+            <a:schemeClr val="accent1"/>
+          </a:fillRef>
+          <a:effectRef idx="0">
+            <a:schemeClr val="accent1"/>
+          </a:effectRef>
+          <a:fontRef idx="minor">
+            <a:schemeClr val="tx1"/>
+          </a:fontRef>
+        </p:style>
+      </p:cxnSp>
+      <p:cxnSp>
+        <p:nvCxnSpPr>
+          <p:cNvPr id="41" name="Conector: angular 40">
+            <a:extLst>
+              <a:ext uri="{FF2B5EF4-FFF2-40B4-BE49-F238E27FC236}">
+                <a16:creationId xmlns:a16="http://schemas.microsoft.com/office/drawing/2014/main" id="{156EF476-9264-44CE-9AEA-35B670F9BED5}"/>
+              </a:ext>
+            </a:extLst>
+          </p:cNvPr>
+          <p:cNvCxnSpPr>
+            <a:cxnSpLocks/>
+            <a:stCxn id="3" idx="0"/>
+            <a:endCxn id="38" idx="0"/>
+          </p:cNvCxnSpPr>
+          <p:nvPr/>
+        </p:nvCxnSpPr>
+        <p:spPr>
+          <a:xfrm rot="5400000" flipH="1" flipV="1">
+            <a:off x="2576086" y="96114"/>
+            <a:ext cx="1" cy="3189212"/>
+          </a:xfrm>
+          <a:prstGeom prst="bentConnector3">
+            <a:avLst>
+              <a:gd name="adj1" fmla="val 22860100000"/>
+            </a:avLst>
+          </a:prstGeom>
+          <a:ln w="28575">
+            <a:solidFill>
+              <a:schemeClr val="tx1"/>
+            </a:solidFill>
+            <a:tailEnd type="triangle"/>
+          </a:ln>
+        </p:spPr>
+        <p:style>
+          <a:lnRef idx="1">
+            <a:schemeClr val="accent1"/>
+          </a:lnRef>
+          <a:fillRef idx="0">
+            <a:schemeClr val="accent1"/>
+          </a:fillRef>
+          <a:effectRef idx="0">
+            <a:schemeClr val="accent1"/>
+          </a:effectRef>
+          <a:fontRef idx="minor">
+            <a:schemeClr val="tx1"/>
+          </a:fontRef>
+        </p:style>
+      </p:cxnSp>
+      <p:cxnSp>
+        <p:nvCxnSpPr>
+          <p:cNvPr id="40" name="Conector: angular 39">
+            <a:extLst>
+              <a:ext uri="{FF2B5EF4-FFF2-40B4-BE49-F238E27FC236}">
+                <a16:creationId xmlns:a16="http://schemas.microsoft.com/office/drawing/2014/main" id="{3F1ED619-D47A-4CDB-AA46-793413E891E9}"/>
+              </a:ext>
+            </a:extLst>
+          </p:cNvPr>
+          <p:cNvCxnSpPr>
+            <a:cxnSpLocks/>
+            <a:stCxn id="38" idx="3"/>
+            <a:endCxn id="30" idx="0"/>
+          </p:cNvCxnSpPr>
+          <p:nvPr/>
+        </p:nvCxnSpPr>
+        <p:spPr>
+          <a:xfrm>
+            <a:off x="4710692" y="2230719"/>
+            <a:ext cx="735712" cy="1293944"/>
+          </a:xfrm>
+          <a:prstGeom prst="bentConnector2">
+            <a:avLst/>
+          </a:prstGeom>
+          <a:ln w="28575">
+            <a:solidFill>
+              <a:schemeClr val="tx1"/>
+            </a:solidFill>
+            <a:tailEnd type="triangle"/>
+          </a:ln>
+        </p:spPr>
+        <p:style>
+          <a:lnRef idx="1">
+            <a:schemeClr val="accent1"/>
+          </a:lnRef>
+          <a:fillRef idx="0">
+            <a:schemeClr val="accent1"/>
+          </a:fillRef>
+          <a:effectRef idx="0">
+            <a:schemeClr val="accent1"/>
+          </a:effectRef>
+          <a:fontRef idx="minor">
+            <a:schemeClr val="tx1"/>
+          </a:fontRef>
+        </p:style>
+      </p:cxnSp>
+      <p:cxnSp>
+        <p:nvCxnSpPr>
           <p:cNvPr id="35" name="Conector: angular 34">
             <a:extLst>
               <a:ext uri="{FF2B5EF4-FFF2-40B4-BE49-F238E27FC236}">
@@ -5036,15 +5179,15 @@
           </p:cNvPr>
           <p:cNvCxnSpPr>
             <a:cxnSpLocks/>
-            <a:stCxn id="70" idx="1"/>
-            <a:endCxn id="27" idx="3"/>
+            <a:stCxn id="70" idx="3"/>
+            <a:endCxn id="27" idx="1"/>
           </p:cNvCxnSpPr>
           <p:nvPr/>
         </p:nvCxnSpPr>
         <p:spPr>
-          <a:xfrm flipH="1" flipV="1">
-            <a:off x="5876934" y="1748801"/>
-            <a:ext cx="310540" cy="6564"/>
+          <a:xfrm>
+            <a:off x="7267474" y="1755365"/>
+            <a:ext cx="437918" cy="0"/>
           </a:xfrm>
           <a:prstGeom prst="straightConnector1">
             <a:avLst/>
@@ -6193,7 +6336,7 @@
         </p:nvSpPr>
         <p:spPr>
           <a:xfrm>
-            <a:off x="3544453" y="1424389"/>
+            <a:off x="7705392" y="1430953"/>
             <a:ext cx="2332481" cy="648823"/>
           </a:xfrm>
           <a:prstGeom prst="roundRect">
@@ -6593,6 +6736,102 @@
               </a:rPr>
               <a:t>Action Manager</a:t>
             </a:r>
+          </a:p>
+        </p:txBody>
+      </p:sp>
+      <p:sp>
+        <p:nvSpPr>
+          <p:cNvPr id="38" name="Rectángulo: esquinas redondeadas 37">
+            <a:extLst>
+              <a:ext uri="{FF2B5EF4-FFF2-40B4-BE49-F238E27FC236}">
+                <a16:creationId xmlns:a16="http://schemas.microsoft.com/office/drawing/2014/main" id="{BEFDF25D-FC9D-4BD4-BB3F-ACCE48960A57}"/>
+              </a:ext>
+            </a:extLst>
+          </p:cNvPr>
+          <p:cNvSpPr/>
+          <p:nvPr/>
+        </p:nvSpPr>
+        <p:spPr>
+          <a:xfrm>
+            <a:off x="3630692" y="1690719"/>
+            <a:ext cx="1080000" cy="1080000"/>
+          </a:xfrm>
+          <a:prstGeom prst="roundRect">
+            <a:avLst/>
+          </a:prstGeom>
+          <a:noFill/>
+          <a:ln w="38100">
+            <a:solidFill>
+              <a:schemeClr val="accent6"/>
+            </a:solidFill>
+          </a:ln>
+        </p:spPr>
+        <p:style>
+          <a:lnRef idx="2">
+            <a:schemeClr val="accent1">
+              <a:shade val="50000"/>
+            </a:schemeClr>
+          </a:lnRef>
+          <a:fillRef idx="1">
+            <a:schemeClr val="accent1"/>
+          </a:fillRef>
+          <a:effectRef idx="0">
+            <a:schemeClr val="accent1"/>
+          </a:effectRef>
+          <a:fontRef idx="minor">
+            <a:schemeClr val="lt1"/>
+          </a:fontRef>
+        </p:style>
+        <p:txBody>
+          <a:bodyPr rtlCol="0" anchor="ctr"/>
+          <a:lstStyle/>
+          <a:p>
+            <a:pPr algn="ctr"/>
+            <a:r>
+              <a:rPr lang="en-US" sz="1600" i="1" u="sng" dirty="0">
+                <a:solidFill>
+                  <a:schemeClr val="tx1"/>
+                </a:solidFill>
+              </a:rPr>
+              <a:t>Script 9</a:t>
+            </a:r>
+            <a:r>
+              <a:rPr lang="en-US" sz="1600" i="1" dirty="0">
+                <a:solidFill>
+                  <a:schemeClr val="tx1"/>
+                </a:solidFill>
+              </a:rPr>
+              <a:t> </a:t>
+            </a:r>
+            <a:r>
+              <a:rPr lang="en-US" sz="1200" dirty="0">
+                <a:solidFill>
+                  <a:schemeClr val="tx1"/>
+                </a:solidFill>
+              </a:rPr>
+              <a:t>Character</a:t>
+            </a:r>
+            <a:r>
+              <a:rPr lang="en-US" sz="1200" i="1" dirty="0">
+                <a:solidFill>
+                  <a:schemeClr val="tx1"/>
+                </a:solidFill>
+              </a:rPr>
+              <a:t> </a:t>
+            </a:r>
+            <a:r>
+              <a:rPr lang="en-US" sz="1200" dirty="0">
+                <a:solidFill>
+                  <a:schemeClr val="tx1"/>
+                </a:solidFill>
+              </a:rPr>
+              <a:t>Special Input Manager</a:t>
+            </a:r>
+            <a:endParaRPr lang="en-US" sz="1500" dirty="0">
+              <a:solidFill>
+                <a:schemeClr val="tx1"/>
+              </a:solidFill>
+            </a:endParaRPr>
           </a:p>
         </p:txBody>
       </p:sp>
@@ -8200,6 +8439,556 @@
     <p:extLst>
       <p:ext uri="{BB962C8B-B14F-4D97-AF65-F5344CB8AC3E}">
         <p14:creationId xmlns:p14="http://schemas.microsoft.com/office/powerpoint/2010/main" val="1941889494"/>
+      </p:ext>
+    </p:extLst>
+  </p:cSld>
+  <p:clrMapOvr>
+    <a:masterClrMapping/>
+  </p:clrMapOvr>
+</p:sld>
+</file>
+
+<file path=ppt/slides/slide5.xml><?xml version="1.0" encoding="utf-8"?>
+<p:sld xmlns:a="http://schemas.openxmlformats.org/drawingml/2006/main" xmlns:r="http://schemas.openxmlformats.org/officeDocument/2006/relationships" xmlns:p="http://schemas.openxmlformats.org/presentationml/2006/main">
+  <p:cSld>
+    <p:spTree>
+      <p:nvGrpSpPr>
+        <p:cNvPr id="1" name=""/>
+        <p:cNvGrpSpPr/>
+        <p:nvPr/>
+      </p:nvGrpSpPr>
+      <p:grpSpPr>
+        <a:xfrm>
+          <a:off x="0" y="0"/>
+          <a:ext cx="0" cy="0"/>
+          <a:chOff x="0" y="0"/>
+          <a:chExt cx="0" cy="0"/>
+        </a:xfrm>
+      </p:grpSpPr>
+      <p:sp>
+        <p:nvSpPr>
+          <p:cNvPr id="3" name="Rectángulo 117">
+            <a:extLst>
+              <a:ext uri="{FF2B5EF4-FFF2-40B4-BE49-F238E27FC236}">
+                <a16:creationId xmlns:a16="http://schemas.microsoft.com/office/drawing/2014/main" id="{ABE59F7C-46CB-4DBC-B4B8-EA33D027F6A4}"/>
+              </a:ext>
+            </a:extLst>
+          </p:cNvPr>
+          <p:cNvSpPr/>
+          <p:nvPr/>
+        </p:nvSpPr>
+        <p:spPr>
+          <a:xfrm>
+            <a:off x="0" y="103020"/>
+            <a:ext cx="12192000" cy="914400"/>
+          </a:xfrm>
+          <a:prstGeom prst="rect">
+            <a:avLst/>
+          </a:prstGeom>
+          <a:solidFill>
+            <a:schemeClr val="tx1"/>
+          </a:solidFill>
+          <a:ln>
+            <a:noFill/>
+          </a:ln>
+        </p:spPr>
+        <p:style>
+          <a:lnRef idx="2">
+            <a:schemeClr val="accent1">
+              <a:shade val="50000"/>
+            </a:schemeClr>
+          </a:lnRef>
+          <a:fillRef idx="1">
+            <a:schemeClr val="accent1"/>
+          </a:fillRef>
+          <a:effectRef idx="0">
+            <a:schemeClr val="accent1"/>
+          </a:effectRef>
+          <a:fontRef idx="minor">
+            <a:schemeClr val="lt1"/>
+          </a:fontRef>
+        </p:style>
+        <p:txBody>
+          <a:bodyPr rtlCol="0" anchor="ctr"/>
+          <a:lstStyle/>
+          <a:p>
+            <a:pPr algn="ctr"/>
+            <a:r>
+              <a:rPr lang="es-ES" sz="7200" dirty="0"/>
+              <a:t>STATE MANAGER</a:t>
+            </a:r>
+          </a:p>
+        </p:txBody>
+      </p:sp>
+      <p:sp>
+        <p:nvSpPr>
+          <p:cNvPr id="42" name="Elipse 41">
+            <a:extLst>
+              <a:ext uri="{FF2B5EF4-FFF2-40B4-BE49-F238E27FC236}">
+                <a16:creationId xmlns:a16="http://schemas.microsoft.com/office/drawing/2014/main" id="{9C4782D6-6E7D-47FE-AC92-46BD2E32A5C9}"/>
+              </a:ext>
+            </a:extLst>
+          </p:cNvPr>
+          <p:cNvSpPr/>
+          <p:nvPr/>
+        </p:nvSpPr>
+        <p:spPr>
+          <a:xfrm>
+            <a:off x="217715" y="333797"/>
+            <a:ext cx="452846" cy="452846"/>
+          </a:xfrm>
+          <a:prstGeom prst="ellipse">
+            <a:avLst/>
+          </a:prstGeom>
+          <a:solidFill>
+            <a:schemeClr val="bg1"/>
+          </a:solidFill>
+          <a:ln w="38100">
+            <a:solidFill>
+              <a:schemeClr val="tx1"/>
+            </a:solidFill>
+          </a:ln>
+        </p:spPr>
+        <p:style>
+          <a:lnRef idx="2">
+            <a:schemeClr val="accent1">
+              <a:shade val="50000"/>
+            </a:schemeClr>
+          </a:lnRef>
+          <a:fillRef idx="1">
+            <a:schemeClr val="accent1"/>
+          </a:fillRef>
+          <a:effectRef idx="0">
+            <a:schemeClr val="accent1"/>
+          </a:effectRef>
+          <a:fontRef idx="minor">
+            <a:schemeClr val="lt1"/>
+          </a:fontRef>
+        </p:style>
+        <p:txBody>
+          <a:bodyPr rtlCol="0" anchor="ctr"/>
+          <a:lstStyle/>
+          <a:p>
+            <a:pPr algn="ctr"/>
+            <a:r>
+              <a:rPr lang="es-ES" sz="3200" dirty="0">
+                <a:solidFill>
+                  <a:schemeClr val="tx1"/>
+                </a:solidFill>
+              </a:rPr>
+              <a:t>2</a:t>
+            </a:r>
+          </a:p>
+        </p:txBody>
+      </p:sp>
+      <p:sp>
+        <p:nvSpPr>
+          <p:cNvPr id="30" name="Rectángulo: esquinas redondeadas 29">
+            <a:extLst>
+              <a:ext uri="{FF2B5EF4-FFF2-40B4-BE49-F238E27FC236}">
+                <a16:creationId xmlns:a16="http://schemas.microsoft.com/office/drawing/2014/main" id="{28007A3F-3344-4366-AA84-3BC60679E6E7}"/>
+              </a:ext>
+            </a:extLst>
+          </p:cNvPr>
+          <p:cNvSpPr/>
+          <p:nvPr/>
+        </p:nvSpPr>
+        <p:spPr>
+          <a:xfrm>
+            <a:off x="1409351" y="1728183"/>
+            <a:ext cx="1904301" cy="393146"/>
+          </a:xfrm>
+          <a:prstGeom prst="roundRect">
+            <a:avLst/>
+          </a:prstGeom>
+          <a:solidFill>
+            <a:schemeClr val="bg1"/>
+          </a:solidFill>
+          <a:ln w="28575">
+            <a:solidFill>
+              <a:schemeClr val="accent2"/>
+            </a:solidFill>
+          </a:ln>
+        </p:spPr>
+        <p:style>
+          <a:lnRef idx="2">
+            <a:schemeClr val="accent1">
+              <a:shade val="50000"/>
+            </a:schemeClr>
+          </a:lnRef>
+          <a:fillRef idx="1">
+            <a:schemeClr val="accent1"/>
+          </a:fillRef>
+          <a:effectRef idx="0">
+            <a:schemeClr val="accent1"/>
+          </a:effectRef>
+          <a:fontRef idx="minor">
+            <a:schemeClr val="lt1"/>
+          </a:fontRef>
+        </p:style>
+        <p:txBody>
+          <a:bodyPr rtlCol="0" anchor="ctr"/>
+          <a:lstStyle/>
+          <a:p>
+            <a:pPr algn="ctr"/>
+            <a:r>
+              <a:rPr lang="en-US" dirty="0">
+                <a:solidFill>
+                  <a:schemeClr val="tx1"/>
+                </a:solidFill>
+              </a:rPr>
+              <a:t>Number</a:t>
+            </a:r>
+            <a:r>
+              <a:rPr lang="es-ES" dirty="0">
+                <a:solidFill>
+                  <a:schemeClr val="tx1"/>
+                </a:solidFill>
+              </a:rPr>
+              <a:t> of Inputs</a:t>
+            </a:r>
+            <a:endParaRPr lang="es-UY" dirty="0">
+              <a:solidFill>
+                <a:schemeClr val="tx1"/>
+              </a:solidFill>
+            </a:endParaRPr>
+          </a:p>
+        </p:txBody>
+      </p:sp>
+      <p:cxnSp>
+        <p:nvCxnSpPr>
+          <p:cNvPr id="31" name="Conector: angular 30">
+            <a:extLst>
+              <a:ext uri="{FF2B5EF4-FFF2-40B4-BE49-F238E27FC236}">
+                <a16:creationId xmlns:a16="http://schemas.microsoft.com/office/drawing/2014/main" id="{B6D381E6-287E-4FEA-A078-1FE847482FEC}"/>
+              </a:ext>
+            </a:extLst>
+          </p:cNvPr>
+          <p:cNvCxnSpPr>
+            <a:cxnSpLocks/>
+            <a:stCxn id="30" idx="2"/>
+            <a:endCxn id="44" idx="0"/>
+          </p:cNvCxnSpPr>
+          <p:nvPr/>
+        </p:nvCxnSpPr>
+        <p:spPr>
+          <a:xfrm rot="16200000" flipH="1">
+            <a:off x="3339947" y="1142884"/>
+            <a:ext cx="506993" cy="2463882"/>
+          </a:xfrm>
+          <a:prstGeom prst="bentConnector3">
+            <a:avLst>
+              <a:gd name="adj1" fmla="val 50000"/>
+            </a:avLst>
+          </a:prstGeom>
+          <a:ln w="28575">
+            <a:solidFill>
+              <a:schemeClr val="accent2"/>
+            </a:solidFill>
+            <a:tailEnd type="triangle"/>
+          </a:ln>
+        </p:spPr>
+        <p:style>
+          <a:lnRef idx="1">
+            <a:schemeClr val="accent1"/>
+          </a:lnRef>
+          <a:fillRef idx="0">
+            <a:schemeClr val="accent1"/>
+          </a:fillRef>
+          <a:effectRef idx="0">
+            <a:schemeClr val="accent1"/>
+          </a:effectRef>
+          <a:fontRef idx="minor">
+            <a:schemeClr val="tx1"/>
+          </a:fontRef>
+        </p:style>
+      </p:cxnSp>
+      <p:sp>
+        <p:nvSpPr>
+          <p:cNvPr id="34" name="Rectángulo: esquinas redondeadas 33">
+            <a:extLst>
+              <a:ext uri="{FF2B5EF4-FFF2-40B4-BE49-F238E27FC236}">
+                <a16:creationId xmlns:a16="http://schemas.microsoft.com/office/drawing/2014/main" id="{4C547D26-D06F-4E4E-877B-A55DBEA7FFB1}"/>
+              </a:ext>
+            </a:extLst>
+          </p:cNvPr>
+          <p:cNvSpPr/>
+          <p:nvPr/>
+        </p:nvSpPr>
+        <p:spPr>
+          <a:xfrm>
+            <a:off x="3798047" y="1728180"/>
+            <a:ext cx="2044748" cy="393146"/>
+          </a:xfrm>
+          <a:prstGeom prst="roundRect">
+            <a:avLst/>
+          </a:prstGeom>
+          <a:solidFill>
+            <a:schemeClr val="bg1"/>
+          </a:solidFill>
+          <a:ln w="28575">
+            <a:solidFill>
+              <a:schemeClr val="accent2"/>
+            </a:solidFill>
+          </a:ln>
+        </p:spPr>
+        <p:style>
+          <a:lnRef idx="2">
+            <a:schemeClr val="accent1">
+              <a:shade val="50000"/>
+            </a:schemeClr>
+          </a:lnRef>
+          <a:fillRef idx="1">
+            <a:schemeClr val="accent1"/>
+          </a:fillRef>
+          <a:effectRef idx="0">
+            <a:schemeClr val="accent1"/>
+          </a:effectRef>
+          <a:fontRef idx="minor">
+            <a:schemeClr val="lt1"/>
+          </a:fontRef>
+        </p:style>
+        <p:txBody>
+          <a:bodyPr rtlCol="0" anchor="ctr"/>
+          <a:lstStyle/>
+          <a:p>
+            <a:pPr algn="ctr"/>
+            <a:r>
+              <a:rPr lang="es-MX" dirty="0">
+                <a:solidFill>
+                  <a:schemeClr val="tx1"/>
+                </a:solidFill>
+              </a:rPr>
+              <a:t>What Inputs</a:t>
+            </a:r>
+            <a:endParaRPr lang="es-UY" dirty="0">
+              <a:solidFill>
+                <a:schemeClr val="tx1"/>
+              </a:solidFill>
+            </a:endParaRPr>
+          </a:p>
+        </p:txBody>
+      </p:sp>
+      <p:cxnSp>
+        <p:nvCxnSpPr>
+          <p:cNvPr id="36" name="Conector: angular 35">
+            <a:extLst>
+              <a:ext uri="{FF2B5EF4-FFF2-40B4-BE49-F238E27FC236}">
+                <a16:creationId xmlns:a16="http://schemas.microsoft.com/office/drawing/2014/main" id="{1FB1A209-5C9A-47E5-9C45-554753460D23}"/>
+              </a:ext>
+            </a:extLst>
+          </p:cNvPr>
+          <p:cNvCxnSpPr>
+            <a:cxnSpLocks/>
+            <a:stCxn id="34" idx="2"/>
+            <a:endCxn id="44" idx="0"/>
+          </p:cNvCxnSpPr>
+          <p:nvPr/>
+        </p:nvCxnSpPr>
+        <p:spPr>
+          <a:xfrm rot="16200000" flipH="1">
+            <a:off x="4569404" y="2372342"/>
+            <a:ext cx="506996" cy="4963"/>
+          </a:xfrm>
+          <a:prstGeom prst="bentConnector3">
+            <a:avLst>
+              <a:gd name="adj1" fmla="val 50000"/>
+            </a:avLst>
+          </a:prstGeom>
+          <a:ln w="28575">
+            <a:solidFill>
+              <a:schemeClr val="accent2"/>
+            </a:solidFill>
+            <a:tailEnd type="triangle"/>
+          </a:ln>
+        </p:spPr>
+        <p:style>
+          <a:lnRef idx="1">
+            <a:schemeClr val="accent1"/>
+          </a:lnRef>
+          <a:fillRef idx="0">
+            <a:schemeClr val="accent1"/>
+          </a:fillRef>
+          <a:effectRef idx="0">
+            <a:schemeClr val="accent1"/>
+          </a:effectRef>
+          <a:fontRef idx="minor">
+            <a:schemeClr val="tx1"/>
+          </a:fontRef>
+        </p:style>
+      </p:cxnSp>
+      <p:sp>
+        <p:nvSpPr>
+          <p:cNvPr id="40" name="Rectángulo: esquinas redondeadas 39">
+            <a:extLst>
+              <a:ext uri="{FF2B5EF4-FFF2-40B4-BE49-F238E27FC236}">
+                <a16:creationId xmlns:a16="http://schemas.microsoft.com/office/drawing/2014/main" id="{DE7523AA-10B8-4747-AF30-C1380BD3CE37}"/>
+              </a:ext>
+            </a:extLst>
+          </p:cNvPr>
+          <p:cNvSpPr/>
+          <p:nvPr/>
+        </p:nvSpPr>
+        <p:spPr>
+          <a:xfrm>
+            <a:off x="6091037" y="1728179"/>
+            <a:ext cx="2212212" cy="393146"/>
+          </a:xfrm>
+          <a:prstGeom prst="roundRect">
+            <a:avLst/>
+          </a:prstGeom>
+          <a:solidFill>
+            <a:schemeClr val="bg1"/>
+          </a:solidFill>
+          <a:ln w="28575">
+            <a:solidFill>
+              <a:schemeClr val="accent2"/>
+            </a:solidFill>
+          </a:ln>
+        </p:spPr>
+        <p:style>
+          <a:lnRef idx="2">
+            <a:schemeClr val="accent1">
+              <a:shade val="50000"/>
+            </a:schemeClr>
+          </a:lnRef>
+          <a:fillRef idx="1">
+            <a:schemeClr val="accent1"/>
+          </a:fillRef>
+          <a:effectRef idx="0">
+            <a:schemeClr val="accent1"/>
+          </a:effectRef>
+          <a:fontRef idx="minor">
+            <a:schemeClr val="lt1"/>
+          </a:fontRef>
+        </p:style>
+        <p:txBody>
+          <a:bodyPr rtlCol="0" anchor="ctr"/>
+          <a:lstStyle/>
+          <a:p>
+            <a:pPr algn="ctr"/>
+            <a:r>
+              <a:rPr lang="en-US">
+                <a:solidFill>
+                  <a:schemeClr val="tx1"/>
+                </a:solidFill>
+              </a:rPr>
+              <a:t>Action that Activates</a:t>
+            </a:r>
+          </a:p>
+        </p:txBody>
+      </p:sp>
+      <p:cxnSp>
+        <p:nvCxnSpPr>
+          <p:cNvPr id="41" name="Conector: angular 40">
+            <a:extLst>
+              <a:ext uri="{FF2B5EF4-FFF2-40B4-BE49-F238E27FC236}">
+                <a16:creationId xmlns:a16="http://schemas.microsoft.com/office/drawing/2014/main" id="{E11A25B9-8AF3-4F62-A0CD-92CD8B2539C9}"/>
+              </a:ext>
+            </a:extLst>
+          </p:cNvPr>
+          <p:cNvCxnSpPr>
+            <a:cxnSpLocks/>
+            <a:stCxn id="40" idx="2"/>
+            <a:endCxn id="44" idx="0"/>
+          </p:cNvCxnSpPr>
+          <p:nvPr/>
+        </p:nvCxnSpPr>
+        <p:spPr>
+          <a:xfrm rot="5400000">
+            <a:off x="5757766" y="1188944"/>
+            <a:ext cx="506997" cy="2371759"/>
+          </a:xfrm>
+          <a:prstGeom prst="bentConnector3">
+            <a:avLst>
+              <a:gd name="adj1" fmla="val 50000"/>
+            </a:avLst>
+          </a:prstGeom>
+          <a:ln w="28575">
+            <a:solidFill>
+              <a:schemeClr val="accent2"/>
+            </a:solidFill>
+            <a:tailEnd type="triangle"/>
+          </a:ln>
+        </p:spPr>
+        <p:style>
+          <a:lnRef idx="1">
+            <a:schemeClr val="accent1"/>
+          </a:lnRef>
+          <a:fillRef idx="0">
+            <a:schemeClr val="accent1"/>
+          </a:fillRef>
+          <a:effectRef idx="0">
+            <a:schemeClr val="accent1"/>
+          </a:effectRef>
+          <a:fontRef idx="minor">
+            <a:schemeClr val="tx1"/>
+          </a:fontRef>
+        </p:style>
+      </p:cxnSp>
+      <p:sp>
+        <p:nvSpPr>
+          <p:cNvPr id="44" name="Rectángulo: esquinas redondeadas 43">
+            <a:extLst>
+              <a:ext uri="{FF2B5EF4-FFF2-40B4-BE49-F238E27FC236}">
+                <a16:creationId xmlns:a16="http://schemas.microsoft.com/office/drawing/2014/main" id="{6869B539-59F8-4BE8-AD28-575784CEDC7E}"/>
+              </a:ext>
+            </a:extLst>
+          </p:cNvPr>
+          <p:cNvSpPr/>
+          <p:nvPr/>
+        </p:nvSpPr>
+        <p:spPr>
+          <a:xfrm>
+            <a:off x="3554767" y="2628322"/>
+            <a:ext cx="2541234" cy="407523"/>
+          </a:xfrm>
+          <a:prstGeom prst="roundRect">
+            <a:avLst/>
+          </a:prstGeom>
+          <a:noFill/>
+          <a:ln w="28575">
+            <a:solidFill>
+              <a:schemeClr val="accent6"/>
+            </a:solidFill>
+          </a:ln>
+        </p:spPr>
+        <p:style>
+          <a:lnRef idx="2">
+            <a:schemeClr val="accent1">
+              <a:shade val="50000"/>
+            </a:schemeClr>
+          </a:lnRef>
+          <a:fillRef idx="1">
+            <a:schemeClr val="accent1"/>
+          </a:fillRef>
+          <a:effectRef idx="0">
+            <a:schemeClr val="accent1"/>
+          </a:effectRef>
+          <a:fontRef idx="minor">
+            <a:schemeClr val="lt1"/>
+          </a:fontRef>
+        </p:style>
+        <p:txBody>
+          <a:bodyPr rtlCol="0" anchor="ctr"/>
+          <a:lstStyle/>
+          <a:p>
+            <a:pPr algn="ctr"/>
+            <a:r>
+              <a:rPr lang="en-US" dirty="0">
+                <a:solidFill>
+                  <a:schemeClr val="tx1"/>
+                </a:solidFill>
+              </a:rPr>
+              <a:t>Special Move Function</a:t>
+            </a:r>
+          </a:p>
+        </p:txBody>
+      </p:sp>
+    </p:spTree>
+    <p:extLst>
+      <p:ext uri="{BB962C8B-B14F-4D97-AF65-F5344CB8AC3E}">
+        <p14:creationId xmlns:p14="http://schemas.microsoft.com/office/powerpoint/2010/main" val="3732937613"/>
       </p:ext>
     </p:extLst>
   </p:cSld>

--- a/Documentation/04 - Program outlines.pptx
+++ b/Documentation/04 - Program outlines.pptx
@@ -224,7 +224,7 @@
           <a:p>
             <a:fld id="{F7B5F293-33C8-4CC1-BF75-E4FD468BB3EB}" type="datetimeFigureOut">
               <a:rPr lang="es-UY" smtClean="0"/>
-              <a:t>6/8/2024</a:t>
+              <a:t>12/8/2024</a:t>
             </a:fld>
             <a:endParaRPr lang="es-UY" dirty="0"/>
           </a:p>
@@ -623,7 +623,7 @@
           <a:p>
             <a:fld id="{BE7F4C33-09C2-42C2-8546-5DB640DB547A}" type="datetimeFigureOut">
               <a:rPr lang="es-UY" smtClean="0"/>
-              <a:t>6/8/2024</a:t>
+              <a:t>12/8/2024</a:t>
             </a:fld>
             <a:endParaRPr lang="es-UY" dirty="0"/>
           </a:p>
@@ -793,7 +793,7 @@
           <a:p>
             <a:fld id="{BE7F4C33-09C2-42C2-8546-5DB640DB547A}" type="datetimeFigureOut">
               <a:rPr lang="es-UY" smtClean="0"/>
-              <a:t>6/8/2024</a:t>
+              <a:t>12/8/2024</a:t>
             </a:fld>
             <a:endParaRPr lang="es-UY" dirty="0"/>
           </a:p>
@@ -973,7 +973,7 @@
           <a:p>
             <a:fld id="{BE7F4C33-09C2-42C2-8546-5DB640DB547A}" type="datetimeFigureOut">
               <a:rPr lang="es-UY" smtClean="0"/>
-              <a:t>6/8/2024</a:t>
+              <a:t>12/8/2024</a:t>
             </a:fld>
             <a:endParaRPr lang="es-UY" dirty="0"/>
           </a:p>
@@ -1143,7 +1143,7 @@
           <a:p>
             <a:fld id="{BE7F4C33-09C2-42C2-8546-5DB640DB547A}" type="datetimeFigureOut">
               <a:rPr lang="es-UY" smtClean="0"/>
-              <a:t>6/8/2024</a:t>
+              <a:t>12/8/2024</a:t>
             </a:fld>
             <a:endParaRPr lang="es-UY" dirty="0"/>
           </a:p>
@@ -1389,7 +1389,7 @@
           <a:p>
             <a:fld id="{BE7F4C33-09C2-42C2-8546-5DB640DB547A}" type="datetimeFigureOut">
               <a:rPr lang="es-UY" smtClean="0"/>
-              <a:t>6/8/2024</a:t>
+              <a:t>12/8/2024</a:t>
             </a:fld>
             <a:endParaRPr lang="es-UY" dirty="0"/>
           </a:p>
@@ -1621,7 +1621,7 @@
           <a:p>
             <a:fld id="{BE7F4C33-09C2-42C2-8546-5DB640DB547A}" type="datetimeFigureOut">
               <a:rPr lang="es-UY" smtClean="0"/>
-              <a:t>6/8/2024</a:t>
+              <a:t>12/8/2024</a:t>
             </a:fld>
             <a:endParaRPr lang="es-UY" dirty="0"/>
           </a:p>
@@ -1988,7 +1988,7 @@
           <a:p>
             <a:fld id="{BE7F4C33-09C2-42C2-8546-5DB640DB547A}" type="datetimeFigureOut">
               <a:rPr lang="es-UY" smtClean="0"/>
-              <a:t>6/8/2024</a:t>
+              <a:t>12/8/2024</a:t>
             </a:fld>
             <a:endParaRPr lang="es-UY" dirty="0"/>
           </a:p>
@@ -2106,7 +2106,7 @@
           <a:p>
             <a:fld id="{BE7F4C33-09C2-42C2-8546-5DB640DB547A}" type="datetimeFigureOut">
               <a:rPr lang="es-UY" smtClean="0"/>
-              <a:t>6/8/2024</a:t>
+              <a:t>12/8/2024</a:t>
             </a:fld>
             <a:endParaRPr lang="es-UY" dirty="0"/>
           </a:p>
@@ -2201,7 +2201,7 @@
           <a:p>
             <a:fld id="{BE7F4C33-09C2-42C2-8546-5DB640DB547A}" type="datetimeFigureOut">
               <a:rPr lang="es-UY" smtClean="0"/>
-              <a:t>6/8/2024</a:t>
+              <a:t>12/8/2024</a:t>
             </a:fld>
             <a:endParaRPr lang="es-UY" dirty="0"/>
           </a:p>
@@ -2478,7 +2478,7 @@
           <a:p>
             <a:fld id="{BE7F4C33-09C2-42C2-8546-5DB640DB547A}" type="datetimeFigureOut">
               <a:rPr lang="es-UY" smtClean="0"/>
-              <a:t>6/8/2024</a:t>
+              <a:t>12/8/2024</a:t>
             </a:fld>
             <a:endParaRPr lang="es-UY" dirty="0"/>
           </a:p>
@@ -2735,7 +2735,7 @@
           <a:p>
             <a:fld id="{BE7F4C33-09C2-42C2-8546-5DB640DB547A}" type="datetimeFigureOut">
               <a:rPr lang="es-UY" smtClean="0"/>
-              <a:t>6/8/2024</a:t>
+              <a:t>12/8/2024</a:t>
             </a:fld>
             <a:endParaRPr lang="es-UY" dirty="0"/>
           </a:p>
@@ -2948,7 +2948,7 @@
           <a:p>
             <a:fld id="{BE7F4C33-09C2-42C2-8546-5DB640DB547A}" type="datetimeFigureOut">
               <a:rPr lang="es-UY" smtClean="0"/>
-              <a:t>6/8/2024</a:t>
+              <a:t>12/8/2024</a:t>
             </a:fld>
             <a:endParaRPr lang="es-UY" dirty="0"/>
           </a:p>
@@ -7013,7 +7013,7 @@
                   <a:schemeClr val="tx1"/>
                 </a:solidFill>
               </a:rPr>
-              <a:t>Example: Strings</a:t>
+              <a:t>Example: Attacks, Strings</a:t>
             </a:r>
             <a:endParaRPr lang="es-UY" dirty="0">
               <a:solidFill>
